--- a/Presentation/presentation.pptx
+++ b/Presentation/presentation.pptx
@@ -16,8 +16,9 @@
     <p:sldId id="263" r:id="rId10"/>
     <p:sldId id="264" r:id="rId11"/>
     <p:sldId id="265" r:id="rId12"/>
-    <p:sldId id="266" r:id="rId13"/>
-    <p:sldId id="267" r:id="rId14"/>
+    <p:sldId id="269" r:id="rId13"/>
+    <p:sldId id="266" r:id="rId14"/>
+    <p:sldId id="267" r:id="rId15"/>
   </p:sldIdLst>
   <p:sldSz cx="12192000" cy="6858000"/>
   <p:notesSz cx="6858000" cy="9144000"/>
@@ -116,6 +117,11 @@
       </a:defRPr>
     </a:lvl9pPr>
   </p:defaultTextStyle>
+  <p:extLst>
+    <p:ext uri="{EFAFB233-063F-42B5-8137-9DF3F51BA10A}">
+      <p15:sldGuideLst xmlns:p15="http://schemas.microsoft.com/office/powerpoint/2012/main"/>
+    </p:ext>
+  </p:extLst>
 </p:presentation>
 </file>
 
@@ -3835,6 +3841,91 @@
           <p:cNvPr id="2" name="Titel 1">
             <a:extLst>
               <a:ext uri="{FF2B5EF4-FFF2-40B4-BE49-F238E27FC236}">
+                <a16:creationId xmlns:a16="http://schemas.microsoft.com/office/drawing/2014/main" id="{A6876972-9AA9-4132-B4E0-BAF5BBC4B99F}"/>
+              </a:ext>
+            </a:extLst>
+          </p:cNvPr>
+          <p:cNvSpPr>
+            <a:spLocks noGrp="1"/>
+          </p:cNvSpPr>
+          <p:nvPr>
+            <p:ph type="title"/>
+          </p:nvPr>
+        </p:nvSpPr>
+        <p:spPr/>
+        <p:txBody>
+          <a:bodyPr/>
+          <a:lstStyle/>
+          <a:p>
+            <a:pPr algn="ctr"/>
+            <a:r>
+              <a:rPr lang="en-US" dirty="0"/>
+              <a:t>DEMO</a:t>
+            </a:r>
+            <a:endParaRPr lang="en-GB" dirty="0"/>
+          </a:p>
+        </p:txBody>
+      </p:sp>
+      <p:sp>
+        <p:nvSpPr>
+          <p:cNvPr id="3" name="Tijdelijke aanduiding voor tekst 2">
+            <a:extLst>
+              <a:ext uri="{FF2B5EF4-FFF2-40B4-BE49-F238E27FC236}">
+                <a16:creationId xmlns:a16="http://schemas.microsoft.com/office/drawing/2014/main" id="{76A7D0FD-078D-4C86-A685-0315177D8A9A}"/>
+              </a:ext>
+            </a:extLst>
+          </p:cNvPr>
+          <p:cNvSpPr>
+            <a:spLocks noGrp="1"/>
+          </p:cNvSpPr>
+          <p:nvPr>
+            <p:ph type="body" idx="1"/>
+          </p:nvPr>
+        </p:nvSpPr>
+        <p:spPr/>
+        <p:txBody>
+          <a:bodyPr/>
+          <a:lstStyle/>
+          <a:p>
+            <a:endParaRPr lang="en-GB" dirty="0"/>
+          </a:p>
+        </p:txBody>
+      </p:sp>
+    </p:spTree>
+    <p:extLst>
+      <p:ext uri="{BB962C8B-B14F-4D97-AF65-F5344CB8AC3E}">
+        <p14:creationId xmlns:p14="http://schemas.microsoft.com/office/powerpoint/2010/main" val="361430493"/>
+      </p:ext>
+    </p:extLst>
+  </p:cSld>
+  <p:clrMapOvr>
+    <a:masterClrMapping/>
+  </p:clrMapOvr>
+</p:sld>
+</file>
+
+<file path=ppt/slides/slide13.xml><?xml version="1.0" encoding="utf-8"?>
+<p:sld xmlns:a="http://schemas.openxmlformats.org/drawingml/2006/main" xmlns:r="http://schemas.openxmlformats.org/officeDocument/2006/relationships" xmlns:p="http://schemas.openxmlformats.org/presentationml/2006/main">
+  <p:cSld>
+    <p:spTree>
+      <p:nvGrpSpPr>
+        <p:cNvPr id="1" name=""/>
+        <p:cNvGrpSpPr/>
+        <p:nvPr/>
+      </p:nvGrpSpPr>
+      <p:grpSpPr>
+        <a:xfrm>
+          <a:off x="0" y="0"/>
+          <a:ext cx="0" cy="0"/>
+          <a:chOff x="0" y="0"/>
+          <a:chExt cx="0" cy="0"/>
+        </a:xfrm>
+      </p:grpSpPr>
+      <p:sp>
+        <p:nvSpPr>
+          <p:cNvPr id="2" name="Titel 1">
+            <a:extLst>
+              <a:ext uri="{FF2B5EF4-FFF2-40B4-BE49-F238E27FC236}">
                 <a16:creationId xmlns:a16="http://schemas.microsoft.com/office/drawing/2014/main" id="{D1E4AAD1-09F0-4F55-9121-67EDB2E0E9EA}"/>
               </a:ext>
             </a:extLst>
@@ -3907,7 +3998,7 @@
 </p:sld>
 </file>
 
-<file path=ppt/slides/slide13.xml><?xml version="1.0" encoding="utf-8"?>
+<file path=ppt/slides/slide14.xml><?xml version="1.0" encoding="utf-8"?>
 <p:sld xmlns:a="http://schemas.openxmlformats.org/drawingml/2006/main" xmlns:r="http://schemas.openxmlformats.org/officeDocument/2006/relationships" xmlns:p="http://schemas.openxmlformats.org/presentationml/2006/main">
   <p:cSld>
     <p:spTree>

--- a/Presentation/presentation.pptx
+++ b/Presentation/presentation.pptx
@@ -264,7 +264,7 @@
           <a:p>
             <a:fld id="{48A87A34-81AB-432B-8DAE-1953F412C126}" type="datetimeFigureOut">
               <a:rPr lang="en-US" dirty="0"/>
-              <a:t>5/27/2019</a:t>
+              <a:t>30-May-19</a:t>
             </a:fld>
             <a:endParaRPr lang="en-US" dirty="0"/>
           </a:p>
@@ -316,7 +316,7 @@
           <a:p>
             <a:fld id="{6D22F896-40B5-4ADD-8801-0D06FADFA095}" type="slidenum">
               <a:rPr lang="en-US" dirty="0"/>
-              <a:t>‹nr.›</a:t>
+              <a:t>‹#›</a:t>
             </a:fld>
             <a:endParaRPr lang="en-US" dirty="0"/>
           </a:p>
@@ -470,7 +470,7 @@
           <a:p>
             <a:fld id="{48A87A34-81AB-432B-8DAE-1953F412C126}" type="datetimeFigureOut">
               <a:rPr lang="en-US" dirty="0"/>
-              <a:t>5/27/2019</a:t>
+              <a:t>30-May-19</a:t>
             </a:fld>
             <a:endParaRPr lang="en-US" dirty="0"/>
           </a:p>
@@ -512,7 +512,7 @@
           <a:p>
             <a:fld id="{6D22F896-40B5-4ADD-8801-0D06FADFA095}" type="slidenum">
               <a:rPr lang="en-US" dirty="0"/>
-              <a:t>‹nr.›</a:t>
+              <a:t>‹#›</a:t>
             </a:fld>
             <a:endParaRPr lang="en-US" dirty="0"/>
           </a:p>
@@ -680,7 +680,7 @@
           <a:p>
             <a:fld id="{48A87A34-81AB-432B-8DAE-1953F412C126}" type="datetimeFigureOut">
               <a:rPr lang="en-US" dirty="0"/>
-              <a:t>5/27/2019</a:t>
+              <a:t>30-May-19</a:t>
             </a:fld>
             <a:endParaRPr lang="en-US" dirty="0"/>
           </a:p>
@@ -722,7 +722,7 @@
           <a:p>
             <a:fld id="{6D22F896-40B5-4ADD-8801-0D06FADFA095}" type="slidenum">
               <a:rPr lang="en-US" dirty="0"/>
-              <a:t>‹nr.›</a:t>
+              <a:t>‹#›</a:t>
             </a:fld>
             <a:endParaRPr lang="en-US" dirty="0"/>
           </a:p>
@@ -876,7 +876,7 @@
           <a:p>
             <a:fld id="{48A87A34-81AB-432B-8DAE-1953F412C126}" type="datetimeFigureOut">
               <a:rPr lang="en-US" dirty="0"/>
-              <a:t>5/27/2019</a:t>
+              <a:t>30-May-19</a:t>
             </a:fld>
             <a:endParaRPr lang="en-US" dirty="0"/>
           </a:p>
@@ -918,7 +918,7 @@
           <a:p>
             <a:fld id="{6D22F896-40B5-4ADD-8801-0D06FADFA095}" type="slidenum">
               <a:rPr lang="en-US" dirty="0"/>
-              <a:t>‹nr.›</a:t>
+              <a:t>‹#›</a:t>
             </a:fld>
             <a:endParaRPr lang="en-US" dirty="0"/>
           </a:p>
@@ -1150,7 +1150,7 @@
           <a:p>
             <a:fld id="{48A87A34-81AB-432B-8DAE-1953F412C126}" type="datetimeFigureOut">
               <a:rPr lang="en-US" dirty="0"/>
-              <a:t>5/27/2019</a:t>
+              <a:t>30-May-19</a:t>
             </a:fld>
             <a:endParaRPr lang="en-US" dirty="0"/>
           </a:p>
@@ -1192,7 +1192,7 @@
           <a:p>
             <a:fld id="{6D22F896-40B5-4ADD-8801-0D06FADFA095}" type="slidenum">
               <a:rPr lang="en-US" dirty="0"/>
-              <a:t>‹nr.›</a:t>
+              <a:t>‹#›</a:t>
             </a:fld>
             <a:endParaRPr lang="en-US" dirty="0"/>
           </a:p>
@@ -1413,7 +1413,7 @@
           <a:p>
             <a:fld id="{48A87A34-81AB-432B-8DAE-1953F412C126}" type="datetimeFigureOut">
               <a:rPr lang="en-US" dirty="0"/>
-              <a:t>5/27/2019</a:t>
+              <a:t>30-May-19</a:t>
             </a:fld>
             <a:endParaRPr lang="en-US" dirty="0"/>
           </a:p>
@@ -1455,7 +1455,7 @@
           <a:p>
             <a:fld id="{6D22F896-40B5-4ADD-8801-0D06FADFA095}" type="slidenum">
               <a:rPr lang="en-US" dirty="0"/>
-              <a:t>‹nr.›</a:t>
+              <a:t>‹#›</a:t>
             </a:fld>
             <a:endParaRPr lang="en-US" dirty="0"/>
           </a:p>
@@ -1824,7 +1824,7 @@
           <a:p>
             <a:fld id="{48A87A34-81AB-432B-8DAE-1953F412C126}" type="datetimeFigureOut">
               <a:rPr lang="en-US" dirty="0"/>
-              <a:t>5/27/2019</a:t>
+              <a:t>30-May-19</a:t>
             </a:fld>
             <a:endParaRPr lang="en-US" dirty="0"/>
           </a:p>
@@ -1866,7 +1866,7 @@
           <a:p>
             <a:fld id="{6D22F896-40B5-4ADD-8801-0D06FADFA095}" type="slidenum">
               <a:rPr lang="en-US" dirty="0"/>
-              <a:t>‹nr.›</a:t>
+              <a:t>‹#›</a:t>
             </a:fld>
             <a:endParaRPr lang="en-US" dirty="0"/>
           </a:p>
@@ -1968,7 +1968,7 @@
           <a:p>
             <a:fld id="{48A87A34-81AB-432B-8DAE-1953F412C126}" type="datetimeFigureOut">
               <a:rPr lang="en-US" dirty="0"/>
-              <a:t>5/27/2019</a:t>
+              <a:t>30-May-19</a:t>
             </a:fld>
             <a:endParaRPr lang="en-US" dirty="0"/>
           </a:p>
@@ -2010,7 +2010,7 @@
           <a:p>
             <a:fld id="{6D22F896-40B5-4ADD-8801-0D06FADFA095}" type="slidenum">
               <a:rPr lang="en-US" dirty="0"/>
-              <a:t>‹nr.›</a:t>
+              <a:t>‹#›</a:t>
             </a:fld>
             <a:endParaRPr lang="en-US" dirty="0"/>
           </a:p>
@@ -2089,7 +2089,7 @@
           <a:p>
             <a:fld id="{48A87A34-81AB-432B-8DAE-1953F412C126}" type="datetimeFigureOut">
               <a:rPr lang="en-US" dirty="0"/>
-              <a:t>5/27/2019</a:t>
+              <a:t>30-May-19</a:t>
             </a:fld>
             <a:endParaRPr lang="en-US" dirty="0"/>
           </a:p>
@@ -2131,7 +2131,7 @@
           <a:p>
             <a:fld id="{6D22F896-40B5-4ADD-8801-0D06FADFA095}" type="slidenum">
               <a:rPr lang="en-US" dirty="0"/>
-              <a:t>‹nr.›</a:t>
+              <a:t>‹#›</a:t>
             </a:fld>
             <a:endParaRPr lang="en-US" dirty="0"/>
           </a:p>
@@ -2335,7 +2335,7 @@
           <a:p>
             <a:fld id="{48A87A34-81AB-432B-8DAE-1953F412C126}" type="datetimeFigureOut">
               <a:rPr lang="en-US" dirty="0"/>
-              <a:t>5/27/2019</a:t>
+              <a:t>30-May-19</a:t>
             </a:fld>
             <a:endParaRPr lang="en-US" dirty="0"/>
           </a:p>
@@ -2377,7 +2377,7 @@
           <a:p>
             <a:fld id="{6D22F896-40B5-4ADD-8801-0D06FADFA095}" type="slidenum">
               <a:rPr lang="en-US" dirty="0"/>
-              <a:t>‹nr.›</a:t>
+              <a:t>‹#›</a:t>
             </a:fld>
             <a:endParaRPr lang="en-US" dirty="0"/>
           </a:p>
@@ -2776,7 +2776,7 @@
             <a:fld id="{48A87A34-81AB-432B-8DAE-1953F412C126}" type="datetimeFigureOut">
               <a:rPr lang="en-US" dirty="0"/>
               <a:pPr/>
-              <a:t>5/27/2019</a:t>
+              <a:t>30-May-19</a:t>
             </a:fld>
             <a:endParaRPr lang="en-US" dirty="0"/>
           </a:p>
@@ -2823,7 +2823,7 @@
           <a:p>
             <a:fld id="{6D22F896-40B5-4ADD-8801-0D06FADFA095}" type="slidenum">
               <a:rPr lang="en-US" dirty="0"/>
-              <a:t>‹nr.›</a:t>
+              <a:t>‹#›</a:t>
             </a:fld>
             <a:endParaRPr lang="en-US" dirty="0"/>
           </a:p>
@@ -3098,7 +3098,7 @@
             <a:fld id="{48A87A34-81AB-432B-8DAE-1953F412C126}" type="datetimeFigureOut">
               <a:rPr lang="en-US" dirty="0"/>
               <a:pPr/>
-              <a:t>5/27/2019</a:t>
+              <a:t>30-May-19</a:t>
             </a:fld>
             <a:endParaRPr lang="en-US" dirty="0"/>
           </a:p>
@@ -3175,7 +3175,7 @@
             <a:fld id="{6D22F896-40B5-4ADD-8801-0D06FADFA095}" type="slidenum">
               <a:rPr lang="en-US" dirty="0"/>
               <a:pPr/>
-              <a:t>‹nr.›</a:t>
+              <a:t>‹#›</a:t>
             </a:fld>
             <a:endParaRPr lang="en-US" dirty="0"/>
           </a:p>
@@ -4259,7 +4259,21 @@
           <a:p>
             <a:r>
               <a:rPr lang="en-US" dirty="0"/>
-              <a:t>Program/algorithm to localize user in MSK building</a:t>
+              <a:t>Program/algorithm to localize user in </a:t>
+            </a:r>
+            <a:r>
+              <a:rPr lang="en-US" dirty="0" err="1"/>
+              <a:t>MSK</a:t>
+            </a:r>
+            <a:r>
+              <a:rPr lang="en-US" dirty="0"/>
+              <a:t> building</a:t>
+            </a:r>
+          </a:p>
+          <a:p>
+            <a:r>
+              <a:rPr lang="en-US" dirty="0"/>
+              <a:t>Using painting detection</a:t>
             </a:r>
             <a:endParaRPr lang="en-GB" dirty="0"/>
           </a:p>
@@ -4532,6 +4546,36 @@
           </a:p>
         </p:txBody>
       </p:sp>
+      <p:pic>
+        <p:nvPicPr>
+          <p:cNvPr id="3" name="Picture 2">
+            <a:extLst>
+              <a:ext uri="{FF2B5EF4-FFF2-40B4-BE49-F238E27FC236}">
+                <a16:creationId xmlns:a16="http://schemas.microsoft.com/office/drawing/2014/main" id="{900407BF-757D-48CD-BD4D-D5339B204765}"/>
+              </a:ext>
+            </a:extLst>
+          </p:cNvPr>
+          <p:cNvPicPr>
+            <a:picLocks noChangeAspect="1"/>
+          </p:cNvPicPr>
+          <p:nvPr/>
+        </p:nvPicPr>
+        <p:blipFill>
+          <a:blip r:embed="rId2"/>
+          <a:stretch>
+            <a:fillRect/>
+          </a:stretch>
+        </p:blipFill>
+        <p:spPr>
+          <a:xfrm>
+            <a:off x="804862" y="2290762"/>
+            <a:ext cx="10582275" cy="2276475"/>
+          </a:xfrm>
+          <a:prstGeom prst="rect">
+            <a:avLst/>
+          </a:prstGeom>
+        </p:spPr>
+      </p:pic>
     </p:spTree>
     <p:extLst>
       <p:ext uri="{BB962C8B-B14F-4D97-AF65-F5344CB8AC3E}">
@@ -4578,15 +4622,259 @@
             <p:ph type="title"/>
           </p:nvPr>
         </p:nvSpPr>
-        <p:spPr/>
-        <p:txBody>
-          <a:bodyPr/>
-          <a:lstStyle/>
-          <a:p>
-            <a:r>
-              <a:rPr lang="en-US"/>
+        <p:spPr>
+          <a:xfrm>
+            <a:off x="1451579" y="804519"/>
+            <a:ext cx="9603275" cy="1049235"/>
+          </a:xfrm>
+        </p:spPr>
+        <p:txBody>
+          <a:bodyPr/>
+          <a:lstStyle/>
+          <a:p>
+            <a:r>
+              <a:rPr lang="en-US" dirty="0"/>
               <a:t>Painting segmentation</a:t>
             </a:r>
+            <a:endParaRPr lang="en-GB" dirty="0"/>
+          </a:p>
+        </p:txBody>
+      </p:sp>
+      <p:sp>
+        <p:nvSpPr>
+          <p:cNvPr id="16" name="Tijdelijke aanduiding voor inhoud 2">
+            <a:extLst>
+              <a:ext uri="{FF2B5EF4-FFF2-40B4-BE49-F238E27FC236}">
+                <a16:creationId xmlns:a16="http://schemas.microsoft.com/office/drawing/2014/main" id="{50EE1164-E864-4B8C-95C5-C593C411D56D}"/>
+              </a:ext>
+            </a:extLst>
+          </p:cNvPr>
+          <p:cNvSpPr txBox="1">
+            <a:spLocks/>
+          </p:cNvSpPr>
+          <p:nvPr/>
+        </p:nvSpPr>
+        <p:spPr>
+          <a:xfrm>
+            <a:off x="1451579" y="2015732"/>
+            <a:ext cx="9603275" cy="3450613"/>
+          </a:xfrm>
+          <a:prstGeom prst="rect">
+            <a:avLst/>
+          </a:prstGeom>
+        </p:spPr>
+        <p:txBody>
+          <a:bodyPr/>
+          <a:lstStyle>
+            <a:lvl1pPr marL="228600" indent="-228600" algn="l" defTabSz="914400" rtl="0" eaLnBrk="1" latinLnBrk="0" hangingPunct="1">
+              <a:lnSpc>
+                <a:spcPct val="120000"/>
+              </a:lnSpc>
+              <a:spcBef>
+                <a:spcPts val="1000"/>
+              </a:spcBef>
+              <a:buClr>
+                <a:schemeClr val="accent1"/>
+              </a:buClr>
+              <a:buSzPct val="100000"/>
+              <a:buFont typeface="Arial" panose="020B0604020202020204" pitchFamily="34" charset="0"/>
+              <a:buChar char="•"/>
+              <a:defRPr sz="2000" kern="1200">
+                <a:solidFill>
+                  <a:schemeClr val="tx1"/>
+                </a:solidFill>
+                <a:effectLst/>
+                <a:latin typeface="+mn-lt"/>
+                <a:ea typeface="+mn-ea"/>
+                <a:cs typeface="+mn-cs"/>
+              </a:defRPr>
+            </a:lvl1pPr>
+            <a:lvl2pPr marL="685800" indent="-228600" algn="l" defTabSz="914400" rtl="0" eaLnBrk="1" latinLnBrk="0" hangingPunct="1">
+              <a:lnSpc>
+                <a:spcPct val="120000"/>
+              </a:lnSpc>
+              <a:spcBef>
+                <a:spcPts val="500"/>
+              </a:spcBef>
+              <a:buClr>
+                <a:schemeClr val="accent1"/>
+              </a:buClr>
+              <a:buSzPct val="100000"/>
+              <a:buFont typeface="Arial" panose="020B0604020202020204" pitchFamily="34" charset="0"/>
+              <a:buChar char="•"/>
+              <a:defRPr sz="1800" kern="1200" cap="none" baseline="0">
+                <a:solidFill>
+                  <a:schemeClr val="tx1"/>
+                </a:solidFill>
+                <a:effectLst/>
+                <a:latin typeface="+mn-lt"/>
+                <a:ea typeface="+mn-ea"/>
+                <a:cs typeface="+mn-cs"/>
+              </a:defRPr>
+            </a:lvl2pPr>
+            <a:lvl3pPr marL="1143000" indent="-228600" algn="l" defTabSz="914400" rtl="0" eaLnBrk="1" latinLnBrk="0" hangingPunct="1">
+              <a:lnSpc>
+                <a:spcPct val="120000"/>
+              </a:lnSpc>
+              <a:spcBef>
+                <a:spcPts val="500"/>
+              </a:spcBef>
+              <a:buClr>
+                <a:schemeClr val="accent1"/>
+              </a:buClr>
+              <a:buSzPct val="100000"/>
+              <a:buFont typeface="Arial" panose="020B0604020202020204" pitchFamily="34" charset="0"/>
+              <a:buChar char="•"/>
+              <a:defRPr sz="1600" kern="1200">
+                <a:solidFill>
+                  <a:schemeClr val="tx1"/>
+                </a:solidFill>
+                <a:effectLst/>
+                <a:latin typeface="+mn-lt"/>
+                <a:ea typeface="+mn-ea"/>
+                <a:cs typeface="+mn-cs"/>
+              </a:defRPr>
+            </a:lvl3pPr>
+            <a:lvl4pPr marL="1600200" indent="-228600" algn="l" defTabSz="914400" rtl="0" eaLnBrk="1" latinLnBrk="0" hangingPunct="1">
+              <a:lnSpc>
+                <a:spcPct val="120000"/>
+              </a:lnSpc>
+              <a:spcBef>
+                <a:spcPts val="500"/>
+              </a:spcBef>
+              <a:buClr>
+                <a:schemeClr val="accent1"/>
+              </a:buClr>
+              <a:buSzPct val="100000"/>
+              <a:buFont typeface="Arial" panose="020B0604020202020204" pitchFamily="34" charset="0"/>
+              <a:buChar char="•"/>
+              <a:defRPr sz="1400" kern="1200" cap="none" baseline="0">
+                <a:solidFill>
+                  <a:schemeClr val="tx1"/>
+                </a:solidFill>
+                <a:effectLst/>
+                <a:latin typeface="+mn-lt"/>
+                <a:ea typeface="+mn-ea"/>
+                <a:cs typeface="+mn-cs"/>
+              </a:defRPr>
+            </a:lvl4pPr>
+            <a:lvl5pPr marL="2057400" indent="-228600" algn="l" defTabSz="914400" rtl="0" eaLnBrk="1" latinLnBrk="0" hangingPunct="1">
+              <a:lnSpc>
+                <a:spcPct val="120000"/>
+              </a:lnSpc>
+              <a:spcBef>
+                <a:spcPts val="500"/>
+              </a:spcBef>
+              <a:buClr>
+                <a:schemeClr val="accent1"/>
+              </a:buClr>
+              <a:buSzPct val="100000"/>
+              <a:buFont typeface="Arial" panose="020B0604020202020204" pitchFamily="34" charset="0"/>
+              <a:buChar char="•"/>
+              <a:defRPr sz="1200" kern="1200">
+                <a:solidFill>
+                  <a:schemeClr val="tx1"/>
+                </a:solidFill>
+                <a:effectLst/>
+                <a:latin typeface="+mn-lt"/>
+                <a:ea typeface="+mn-ea"/>
+                <a:cs typeface="+mn-cs"/>
+              </a:defRPr>
+            </a:lvl5pPr>
+            <a:lvl6pPr marL="2514600" indent="-228600" algn="l" defTabSz="914400" rtl="0" eaLnBrk="1" latinLnBrk="0" hangingPunct="1">
+              <a:lnSpc>
+                <a:spcPct val="120000"/>
+              </a:lnSpc>
+              <a:spcBef>
+                <a:spcPts val="500"/>
+              </a:spcBef>
+              <a:buClr>
+                <a:schemeClr val="accent1"/>
+              </a:buClr>
+              <a:buSzPct val="100000"/>
+              <a:buFont typeface="Arial" panose="020B0604020202020204" pitchFamily="34" charset="0"/>
+              <a:buChar char="•"/>
+              <a:defRPr sz="1200" kern="1200">
+                <a:solidFill>
+                  <a:schemeClr val="tx1"/>
+                </a:solidFill>
+                <a:effectLst/>
+                <a:latin typeface="+mn-lt"/>
+                <a:ea typeface="+mn-ea"/>
+                <a:cs typeface="+mn-cs"/>
+              </a:defRPr>
+            </a:lvl6pPr>
+            <a:lvl7pPr marL="2971800" indent="-228600" algn="l" defTabSz="914400" rtl="0" eaLnBrk="1" latinLnBrk="0" hangingPunct="1">
+              <a:lnSpc>
+                <a:spcPct val="120000"/>
+              </a:lnSpc>
+              <a:spcBef>
+                <a:spcPts val="500"/>
+              </a:spcBef>
+              <a:buClr>
+                <a:schemeClr val="accent1"/>
+              </a:buClr>
+              <a:buSzPct val="100000"/>
+              <a:buFont typeface="Arial" panose="020B0604020202020204" pitchFamily="34" charset="0"/>
+              <a:buChar char="•"/>
+              <a:defRPr sz="1200" kern="1200">
+                <a:solidFill>
+                  <a:schemeClr val="tx1"/>
+                </a:solidFill>
+                <a:effectLst/>
+                <a:latin typeface="+mn-lt"/>
+                <a:ea typeface="+mn-ea"/>
+                <a:cs typeface="+mn-cs"/>
+              </a:defRPr>
+            </a:lvl7pPr>
+            <a:lvl8pPr marL="3429000" indent="-228600" algn="l" defTabSz="914400" rtl="0" eaLnBrk="1" latinLnBrk="0" hangingPunct="1">
+              <a:lnSpc>
+                <a:spcPct val="120000"/>
+              </a:lnSpc>
+              <a:spcBef>
+                <a:spcPts val="500"/>
+              </a:spcBef>
+              <a:buClr>
+                <a:schemeClr val="accent1"/>
+              </a:buClr>
+              <a:buSzPct val="100000"/>
+              <a:buFont typeface="Arial" panose="020B0604020202020204" pitchFamily="34" charset="0"/>
+              <a:buChar char="•"/>
+              <a:defRPr sz="1200" kern="1200" baseline="0">
+                <a:solidFill>
+                  <a:schemeClr val="tx1"/>
+                </a:solidFill>
+                <a:effectLst/>
+                <a:latin typeface="+mn-lt"/>
+                <a:ea typeface="+mn-ea"/>
+                <a:cs typeface="+mn-cs"/>
+              </a:defRPr>
+            </a:lvl8pPr>
+            <a:lvl9pPr marL="3886200" indent="-228600" algn="l" defTabSz="914400" rtl="0" eaLnBrk="1" latinLnBrk="0" hangingPunct="1">
+              <a:lnSpc>
+                <a:spcPct val="120000"/>
+              </a:lnSpc>
+              <a:spcBef>
+                <a:spcPts val="500"/>
+              </a:spcBef>
+              <a:buClr>
+                <a:schemeClr val="accent1"/>
+              </a:buClr>
+              <a:buSzPct val="100000"/>
+              <a:buFont typeface="Arial" panose="020B0604020202020204" pitchFamily="34" charset="0"/>
+              <a:buChar char="•"/>
+              <a:defRPr sz="1200" kern="1200" baseline="0">
+                <a:solidFill>
+                  <a:schemeClr val="tx1"/>
+                </a:solidFill>
+                <a:effectLst/>
+                <a:latin typeface="+mn-lt"/>
+                <a:ea typeface="+mn-ea"/>
+                <a:cs typeface="+mn-cs"/>
+              </a:defRPr>
+            </a:lvl9pPr>
+          </a:lstStyle>
+          <a:p>
             <a:endParaRPr lang="en-GB" dirty="0"/>
           </a:p>
         </p:txBody>

--- a/Presentation/presentation.pptx
+++ b/Presentation/presentation.pptx
@@ -4,6 +4,9 @@
   <p:sldMasterIdLst>
     <p:sldMasterId id="2147483648" r:id="rId1"/>
   </p:sldMasterIdLst>
+  <p:notesMasterIdLst>
+    <p:notesMasterId r:id="rId21"/>
+  </p:notesMasterIdLst>
   <p:sldIdLst>
     <p:sldId id="256" r:id="rId2"/>
     <p:sldId id="257" r:id="rId3"/>
@@ -11,14 +14,19 @@
     <p:sldId id="259" r:id="rId5"/>
     <p:sldId id="268" r:id="rId6"/>
     <p:sldId id="260" r:id="rId7"/>
-    <p:sldId id="261" r:id="rId8"/>
-    <p:sldId id="262" r:id="rId9"/>
+    <p:sldId id="262" r:id="rId8"/>
+    <p:sldId id="270" r:id="rId9"/>
     <p:sldId id="263" r:id="rId10"/>
-    <p:sldId id="264" r:id="rId11"/>
-    <p:sldId id="265" r:id="rId12"/>
-    <p:sldId id="269" r:id="rId13"/>
-    <p:sldId id="266" r:id="rId14"/>
-    <p:sldId id="267" r:id="rId15"/>
+    <p:sldId id="271" r:id="rId11"/>
+    <p:sldId id="272" r:id="rId12"/>
+    <p:sldId id="264" r:id="rId13"/>
+    <p:sldId id="269" r:id="rId14"/>
+    <p:sldId id="266" r:id="rId15"/>
+    <p:sldId id="274" r:id="rId16"/>
+    <p:sldId id="273" r:id="rId17"/>
+    <p:sldId id="275" r:id="rId18"/>
+    <p:sldId id="276" r:id="rId19"/>
+    <p:sldId id="267" r:id="rId20"/>
   </p:sldIdLst>
   <p:sldSz cx="12192000" cy="6858000"/>
   <p:notesSz cx="6858000" cy="9144000"/>
@@ -125,6 +133,737 @@
 </p:presentation>
 </file>
 
+<file path=ppt/notesMasters/notesMaster1.xml><?xml version="1.0" encoding="utf-8"?>
+<p:notesMaster xmlns:a="http://schemas.openxmlformats.org/drawingml/2006/main" xmlns:r="http://schemas.openxmlformats.org/officeDocument/2006/relationships" xmlns:p="http://schemas.openxmlformats.org/presentationml/2006/main">
+  <p:cSld>
+    <p:bg>
+      <p:bgRef idx="1001">
+        <a:schemeClr val="bg1"/>
+      </p:bgRef>
+    </p:bg>
+    <p:spTree>
+      <p:nvGrpSpPr>
+        <p:cNvPr id="1" name=""/>
+        <p:cNvGrpSpPr/>
+        <p:nvPr/>
+      </p:nvGrpSpPr>
+      <p:grpSpPr>
+        <a:xfrm>
+          <a:off x="0" y="0"/>
+          <a:ext cx="0" cy="0"/>
+          <a:chOff x="0" y="0"/>
+          <a:chExt cx="0" cy="0"/>
+        </a:xfrm>
+      </p:grpSpPr>
+      <p:sp>
+        <p:nvSpPr>
+          <p:cNvPr id="2" name="Tijdelijke aanduiding voor koptekst 1"/>
+          <p:cNvSpPr>
+            <a:spLocks noGrp="1"/>
+          </p:cNvSpPr>
+          <p:nvPr>
+            <p:ph type="hdr" sz="quarter"/>
+          </p:nvPr>
+        </p:nvSpPr>
+        <p:spPr>
+          <a:xfrm>
+            <a:off x="0" y="0"/>
+            <a:ext cx="2971800" cy="458788"/>
+          </a:xfrm>
+          <a:prstGeom prst="rect">
+            <a:avLst/>
+          </a:prstGeom>
+        </p:spPr>
+        <p:txBody>
+          <a:bodyPr vert="horz" lIns="91440" tIns="45720" rIns="91440" bIns="45720" rtlCol="0"/>
+          <a:lstStyle>
+            <a:lvl1pPr algn="l">
+              <a:defRPr sz="1200"/>
+            </a:lvl1pPr>
+          </a:lstStyle>
+          <a:p>
+            <a:endParaRPr lang="en-GB"/>
+          </a:p>
+        </p:txBody>
+      </p:sp>
+      <p:sp>
+        <p:nvSpPr>
+          <p:cNvPr id="3" name="Tijdelijke aanduiding voor datum 2"/>
+          <p:cNvSpPr>
+            <a:spLocks noGrp="1"/>
+          </p:cNvSpPr>
+          <p:nvPr>
+            <p:ph type="dt" idx="1"/>
+          </p:nvPr>
+        </p:nvSpPr>
+        <p:spPr>
+          <a:xfrm>
+            <a:off x="3884613" y="0"/>
+            <a:ext cx="2971800" cy="458788"/>
+          </a:xfrm>
+          <a:prstGeom prst="rect">
+            <a:avLst/>
+          </a:prstGeom>
+        </p:spPr>
+        <p:txBody>
+          <a:bodyPr vert="horz" lIns="91440" tIns="45720" rIns="91440" bIns="45720" rtlCol="0"/>
+          <a:lstStyle>
+            <a:lvl1pPr algn="r">
+              <a:defRPr sz="1200"/>
+            </a:lvl1pPr>
+          </a:lstStyle>
+          <a:p>
+            <a:fld id="{D64321A2-C9D9-460B-B0D7-978BD89F4650}" type="datetimeFigureOut">
+              <a:rPr lang="en-GB" smtClean="0"/>
+              <a:t>30/05/2019</a:t>
+            </a:fld>
+            <a:endParaRPr lang="en-GB"/>
+          </a:p>
+        </p:txBody>
+      </p:sp>
+      <p:sp>
+        <p:nvSpPr>
+          <p:cNvPr id="4" name="Tijdelijke aanduiding voor dia-afbeelding 3"/>
+          <p:cNvSpPr>
+            <a:spLocks noGrp="1" noRot="1" noChangeAspect="1"/>
+          </p:cNvSpPr>
+          <p:nvPr>
+            <p:ph type="sldImg" idx="2"/>
+          </p:nvPr>
+        </p:nvSpPr>
+        <p:spPr>
+          <a:xfrm>
+            <a:off x="685800" y="1143000"/>
+            <a:ext cx="5486400" cy="3086100"/>
+          </a:xfrm>
+          <a:prstGeom prst="rect">
+            <a:avLst/>
+          </a:prstGeom>
+          <a:noFill/>
+          <a:ln w="12700">
+            <a:solidFill>
+              <a:prstClr val="black"/>
+            </a:solidFill>
+          </a:ln>
+        </p:spPr>
+        <p:txBody>
+          <a:bodyPr vert="horz" lIns="91440" tIns="45720" rIns="91440" bIns="45720" rtlCol="0" anchor="ctr"/>
+          <a:lstStyle/>
+          <a:p>
+            <a:endParaRPr lang="en-GB"/>
+          </a:p>
+        </p:txBody>
+      </p:sp>
+      <p:sp>
+        <p:nvSpPr>
+          <p:cNvPr id="5" name="Tijdelijke aanduiding voor notities 4"/>
+          <p:cNvSpPr>
+            <a:spLocks noGrp="1"/>
+          </p:cNvSpPr>
+          <p:nvPr>
+            <p:ph type="body" sz="quarter" idx="3"/>
+          </p:nvPr>
+        </p:nvSpPr>
+        <p:spPr>
+          <a:xfrm>
+            <a:off x="685800" y="4400550"/>
+            <a:ext cx="5486400" cy="3600450"/>
+          </a:xfrm>
+          <a:prstGeom prst="rect">
+            <a:avLst/>
+          </a:prstGeom>
+        </p:spPr>
+        <p:txBody>
+          <a:bodyPr vert="horz" lIns="91440" tIns="45720" rIns="91440" bIns="45720" rtlCol="0"/>
+          <a:lstStyle/>
+          <a:p>
+            <a:pPr lvl="0"/>
+            <a:r>
+              <a:rPr lang="nl-NL"/>
+              <a:t>Tekststijl van het model bewerken</a:t>
+            </a:r>
+          </a:p>
+          <a:p>
+            <a:pPr lvl="1"/>
+            <a:r>
+              <a:rPr lang="nl-NL"/>
+              <a:t>Tweede niveau</a:t>
+            </a:r>
+          </a:p>
+          <a:p>
+            <a:pPr lvl="2"/>
+            <a:r>
+              <a:rPr lang="nl-NL"/>
+              <a:t>Derde niveau</a:t>
+            </a:r>
+          </a:p>
+          <a:p>
+            <a:pPr lvl="3"/>
+            <a:r>
+              <a:rPr lang="nl-NL"/>
+              <a:t>Vierde niveau</a:t>
+            </a:r>
+          </a:p>
+          <a:p>
+            <a:pPr lvl="4"/>
+            <a:r>
+              <a:rPr lang="nl-NL"/>
+              <a:t>Vijfde niveau</a:t>
+            </a:r>
+            <a:endParaRPr lang="en-GB"/>
+          </a:p>
+        </p:txBody>
+      </p:sp>
+      <p:sp>
+        <p:nvSpPr>
+          <p:cNvPr id="6" name="Tijdelijke aanduiding voor voettekst 5"/>
+          <p:cNvSpPr>
+            <a:spLocks noGrp="1"/>
+          </p:cNvSpPr>
+          <p:nvPr>
+            <p:ph type="ftr" sz="quarter" idx="4"/>
+          </p:nvPr>
+        </p:nvSpPr>
+        <p:spPr>
+          <a:xfrm>
+            <a:off x="0" y="8685213"/>
+            <a:ext cx="2971800" cy="458787"/>
+          </a:xfrm>
+          <a:prstGeom prst="rect">
+            <a:avLst/>
+          </a:prstGeom>
+        </p:spPr>
+        <p:txBody>
+          <a:bodyPr vert="horz" lIns="91440" tIns="45720" rIns="91440" bIns="45720" rtlCol="0" anchor="b"/>
+          <a:lstStyle>
+            <a:lvl1pPr algn="l">
+              <a:defRPr sz="1200"/>
+            </a:lvl1pPr>
+          </a:lstStyle>
+          <a:p>
+            <a:endParaRPr lang="en-GB"/>
+          </a:p>
+        </p:txBody>
+      </p:sp>
+      <p:sp>
+        <p:nvSpPr>
+          <p:cNvPr id="7" name="Tijdelijke aanduiding voor dianummer 6"/>
+          <p:cNvSpPr>
+            <a:spLocks noGrp="1"/>
+          </p:cNvSpPr>
+          <p:nvPr>
+            <p:ph type="sldNum" sz="quarter" idx="5"/>
+          </p:nvPr>
+        </p:nvSpPr>
+        <p:spPr>
+          <a:xfrm>
+            <a:off x="3884613" y="8685213"/>
+            <a:ext cx="2971800" cy="458787"/>
+          </a:xfrm>
+          <a:prstGeom prst="rect">
+            <a:avLst/>
+          </a:prstGeom>
+        </p:spPr>
+        <p:txBody>
+          <a:bodyPr vert="horz" lIns="91440" tIns="45720" rIns="91440" bIns="45720" rtlCol="0" anchor="b"/>
+          <a:lstStyle>
+            <a:lvl1pPr algn="r">
+              <a:defRPr sz="1200"/>
+            </a:lvl1pPr>
+          </a:lstStyle>
+          <a:p>
+            <a:fld id="{BEC32623-32FA-478E-B501-F8548A57DE88}" type="slidenum">
+              <a:rPr lang="en-GB" smtClean="0"/>
+              <a:t>‹nr.›</a:t>
+            </a:fld>
+            <a:endParaRPr lang="en-GB"/>
+          </a:p>
+        </p:txBody>
+      </p:sp>
+    </p:spTree>
+    <p:extLst>
+      <p:ext uri="{BB962C8B-B14F-4D97-AF65-F5344CB8AC3E}">
+        <p14:creationId xmlns:p14="http://schemas.microsoft.com/office/powerpoint/2010/main" val="1429186351"/>
+      </p:ext>
+    </p:extLst>
+  </p:cSld>
+  <p:clrMap bg1="lt1" tx1="dk1" bg2="lt2" tx2="dk2" accent1="accent1" accent2="accent2" accent3="accent3" accent4="accent4" accent5="accent5" accent6="accent6" hlink="hlink" folHlink="folHlink"/>
+  <p:notesStyle>
+    <a:lvl1pPr marL="0" algn="l" defTabSz="914400" rtl="0" eaLnBrk="1" latinLnBrk="0" hangingPunct="1">
+      <a:defRPr sz="1200" kern="1200">
+        <a:solidFill>
+          <a:schemeClr val="tx1"/>
+        </a:solidFill>
+        <a:latin typeface="+mn-lt"/>
+        <a:ea typeface="+mn-ea"/>
+        <a:cs typeface="+mn-cs"/>
+      </a:defRPr>
+    </a:lvl1pPr>
+    <a:lvl2pPr marL="457200" algn="l" defTabSz="914400" rtl="0" eaLnBrk="1" latinLnBrk="0" hangingPunct="1">
+      <a:defRPr sz="1200" kern="1200">
+        <a:solidFill>
+          <a:schemeClr val="tx1"/>
+        </a:solidFill>
+        <a:latin typeface="+mn-lt"/>
+        <a:ea typeface="+mn-ea"/>
+        <a:cs typeface="+mn-cs"/>
+      </a:defRPr>
+    </a:lvl2pPr>
+    <a:lvl3pPr marL="914400" algn="l" defTabSz="914400" rtl="0" eaLnBrk="1" latinLnBrk="0" hangingPunct="1">
+      <a:defRPr sz="1200" kern="1200">
+        <a:solidFill>
+          <a:schemeClr val="tx1"/>
+        </a:solidFill>
+        <a:latin typeface="+mn-lt"/>
+        <a:ea typeface="+mn-ea"/>
+        <a:cs typeface="+mn-cs"/>
+      </a:defRPr>
+    </a:lvl3pPr>
+    <a:lvl4pPr marL="1371600" algn="l" defTabSz="914400" rtl="0" eaLnBrk="1" latinLnBrk="0" hangingPunct="1">
+      <a:defRPr sz="1200" kern="1200">
+        <a:solidFill>
+          <a:schemeClr val="tx1"/>
+        </a:solidFill>
+        <a:latin typeface="+mn-lt"/>
+        <a:ea typeface="+mn-ea"/>
+        <a:cs typeface="+mn-cs"/>
+      </a:defRPr>
+    </a:lvl4pPr>
+    <a:lvl5pPr marL="1828800" algn="l" defTabSz="914400" rtl="0" eaLnBrk="1" latinLnBrk="0" hangingPunct="1">
+      <a:defRPr sz="1200" kern="1200">
+        <a:solidFill>
+          <a:schemeClr val="tx1"/>
+        </a:solidFill>
+        <a:latin typeface="+mn-lt"/>
+        <a:ea typeface="+mn-ea"/>
+        <a:cs typeface="+mn-cs"/>
+      </a:defRPr>
+    </a:lvl5pPr>
+    <a:lvl6pPr marL="2286000" algn="l" defTabSz="914400" rtl="0" eaLnBrk="1" latinLnBrk="0" hangingPunct="1">
+      <a:defRPr sz="1200" kern="1200">
+        <a:solidFill>
+          <a:schemeClr val="tx1"/>
+        </a:solidFill>
+        <a:latin typeface="+mn-lt"/>
+        <a:ea typeface="+mn-ea"/>
+        <a:cs typeface="+mn-cs"/>
+      </a:defRPr>
+    </a:lvl6pPr>
+    <a:lvl7pPr marL="2743200" algn="l" defTabSz="914400" rtl="0" eaLnBrk="1" latinLnBrk="0" hangingPunct="1">
+      <a:defRPr sz="1200" kern="1200">
+        <a:solidFill>
+          <a:schemeClr val="tx1"/>
+        </a:solidFill>
+        <a:latin typeface="+mn-lt"/>
+        <a:ea typeface="+mn-ea"/>
+        <a:cs typeface="+mn-cs"/>
+      </a:defRPr>
+    </a:lvl7pPr>
+    <a:lvl8pPr marL="3200400" algn="l" defTabSz="914400" rtl="0" eaLnBrk="1" latinLnBrk="0" hangingPunct="1">
+      <a:defRPr sz="1200" kern="1200">
+        <a:solidFill>
+          <a:schemeClr val="tx1"/>
+        </a:solidFill>
+        <a:latin typeface="+mn-lt"/>
+        <a:ea typeface="+mn-ea"/>
+        <a:cs typeface="+mn-cs"/>
+      </a:defRPr>
+    </a:lvl8pPr>
+    <a:lvl9pPr marL="3657600" algn="l" defTabSz="914400" rtl="0" eaLnBrk="1" latinLnBrk="0" hangingPunct="1">
+      <a:defRPr sz="1200" kern="1200">
+        <a:solidFill>
+          <a:schemeClr val="tx1"/>
+        </a:solidFill>
+        <a:latin typeface="+mn-lt"/>
+        <a:ea typeface="+mn-ea"/>
+        <a:cs typeface="+mn-cs"/>
+      </a:defRPr>
+    </a:lvl9pPr>
+  </p:notesStyle>
+</p:notesMaster>
+</file>
+
+<file path=ppt/notesSlides/notesSlide1.xml><?xml version="1.0" encoding="utf-8"?>
+<p:notes xmlns:a="http://schemas.openxmlformats.org/drawingml/2006/main" xmlns:r="http://schemas.openxmlformats.org/officeDocument/2006/relationships" xmlns:p="http://schemas.openxmlformats.org/presentationml/2006/main">
+  <p:cSld>
+    <p:spTree>
+      <p:nvGrpSpPr>
+        <p:cNvPr id="1" name=""/>
+        <p:cNvGrpSpPr/>
+        <p:nvPr/>
+      </p:nvGrpSpPr>
+      <p:grpSpPr>
+        <a:xfrm>
+          <a:off x="0" y="0"/>
+          <a:ext cx="0" cy="0"/>
+          <a:chOff x="0" y="0"/>
+          <a:chExt cx="0" cy="0"/>
+        </a:xfrm>
+      </p:grpSpPr>
+      <p:sp>
+        <p:nvSpPr>
+          <p:cNvPr id="2" name="Tijdelijke aanduiding voor dia-afbeelding 1"/>
+          <p:cNvSpPr>
+            <a:spLocks noGrp="1" noRot="1" noChangeAspect="1"/>
+          </p:cNvSpPr>
+          <p:nvPr>
+            <p:ph type="sldImg"/>
+          </p:nvPr>
+        </p:nvSpPr>
+        <p:spPr/>
+      </p:sp>
+      <p:sp>
+        <p:nvSpPr>
+          <p:cNvPr id="3" name="Tijdelijke aanduiding voor notities 2"/>
+          <p:cNvSpPr>
+            <a:spLocks noGrp="1"/>
+          </p:cNvSpPr>
+          <p:nvPr>
+            <p:ph type="body" idx="1"/>
+          </p:nvPr>
+        </p:nvSpPr>
+        <p:spPr/>
+        <p:txBody>
+          <a:bodyPr/>
+          <a:lstStyle/>
+          <a:p>
+            <a:r>
+              <a:rPr lang="en-US" dirty="0"/>
+              <a:t>Wie </a:t>
+            </a:r>
+            <a:r>
+              <a:rPr lang="en-US" dirty="0" err="1"/>
+              <a:t>zijn</a:t>
+            </a:r>
+            <a:r>
+              <a:rPr lang="en-US" dirty="0"/>
+              <a:t> we</a:t>
+            </a:r>
+          </a:p>
+        </p:txBody>
+      </p:sp>
+      <p:sp>
+        <p:nvSpPr>
+          <p:cNvPr id="4" name="Tijdelijke aanduiding voor dianummer 3"/>
+          <p:cNvSpPr>
+            <a:spLocks noGrp="1"/>
+          </p:cNvSpPr>
+          <p:nvPr>
+            <p:ph type="sldNum" sz="quarter" idx="5"/>
+          </p:nvPr>
+        </p:nvSpPr>
+        <p:spPr/>
+        <p:txBody>
+          <a:bodyPr/>
+          <a:lstStyle/>
+          <a:p>
+            <a:fld id="{BEC32623-32FA-478E-B501-F8548A57DE88}" type="slidenum">
+              <a:rPr lang="en-GB" smtClean="0"/>
+              <a:t>2</a:t>
+            </a:fld>
+            <a:endParaRPr lang="en-GB"/>
+          </a:p>
+        </p:txBody>
+      </p:sp>
+    </p:spTree>
+    <p:extLst>
+      <p:ext uri="{BB962C8B-B14F-4D97-AF65-F5344CB8AC3E}">
+        <p14:creationId xmlns:p14="http://schemas.microsoft.com/office/powerpoint/2010/main" val="3942528082"/>
+      </p:ext>
+    </p:extLst>
+  </p:cSld>
+  <p:clrMapOvr>
+    <a:masterClrMapping/>
+  </p:clrMapOvr>
+</p:notes>
+</file>
+
+<file path=ppt/notesSlides/notesSlide2.xml><?xml version="1.0" encoding="utf-8"?>
+<p:notes xmlns:a="http://schemas.openxmlformats.org/drawingml/2006/main" xmlns:r="http://schemas.openxmlformats.org/officeDocument/2006/relationships" xmlns:p="http://schemas.openxmlformats.org/presentationml/2006/main">
+  <p:cSld>
+    <p:spTree>
+      <p:nvGrpSpPr>
+        <p:cNvPr id="1" name=""/>
+        <p:cNvGrpSpPr/>
+        <p:nvPr/>
+      </p:nvGrpSpPr>
+      <p:grpSpPr>
+        <a:xfrm>
+          <a:off x="0" y="0"/>
+          <a:ext cx="0" cy="0"/>
+          <a:chOff x="0" y="0"/>
+          <a:chExt cx="0" cy="0"/>
+        </a:xfrm>
+      </p:grpSpPr>
+      <p:sp>
+        <p:nvSpPr>
+          <p:cNvPr id="2" name="Tijdelijke aanduiding voor dia-afbeelding 1"/>
+          <p:cNvSpPr>
+            <a:spLocks noGrp="1" noRot="1" noChangeAspect="1"/>
+          </p:cNvSpPr>
+          <p:nvPr>
+            <p:ph type="sldImg"/>
+          </p:nvPr>
+        </p:nvSpPr>
+        <p:spPr/>
+      </p:sp>
+      <p:sp>
+        <p:nvSpPr>
+          <p:cNvPr id="3" name="Tijdelijke aanduiding voor notities 2"/>
+          <p:cNvSpPr>
+            <a:spLocks noGrp="1"/>
+          </p:cNvSpPr>
+          <p:nvPr>
+            <p:ph type="body" idx="1"/>
+          </p:nvPr>
+        </p:nvSpPr>
+        <p:spPr/>
+        <p:txBody>
+          <a:bodyPr/>
+          <a:lstStyle/>
+          <a:p>
+            <a:r>
+              <a:rPr lang="en-US" dirty="0" err="1"/>
+              <a:t>Voornaamste</a:t>
+            </a:r>
+            <a:r>
+              <a:rPr lang="en-US" dirty="0"/>
+              <a:t> case is om het in </a:t>
+            </a:r>
+            <a:r>
+              <a:rPr lang="en-US" dirty="0" err="1"/>
+              <a:t>een</a:t>
+            </a:r>
+            <a:r>
+              <a:rPr lang="en-US" dirty="0"/>
+              <a:t> </a:t>
+            </a:r>
+            <a:r>
+              <a:rPr lang="en-US" dirty="0" err="1"/>
+              <a:t>mobiele</a:t>
+            </a:r>
+            <a:r>
+              <a:rPr lang="en-US" dirty="0"/>
+              <a:t> </a:t>
+            </a:r>
+            <a:r>
+              <a:rPr lang="en-US" dirty="0" err="1"/>
+              <a:t>applicatie</a:t>
+            </a:r>
+            <a:r>
+              <a:rPr lang="en-US" dirty="0"/>
+              <a:t> </a:t>
+            </a:r>
+            <a:r>
+              <a:rPr lang="en-US" dirty="0" err="1"/>
+              <a:t>te</a:t>
+            </a:r>
+            <a:r>
+              <a:rPr lang="en-US" dirty="0"/>
+              <a:t> </a:t>
+            </a:r>
+            <a:r>
+              <a:rPr lang="en-US" dirty="0" err="1"/>
+              <a:t>steken</a:t>
+            </a:r>
+            <a:r>
+              <a:rPr lang="en-US" dirty="0"/>
+              <a:t> </a:t>
+            </a:r>
+            <a:r>
+              <a:rPr lang="en-US" dirty="0" err="1"/>
+              <a:t>zodat</a:t>
+            </a:r>
+            <a:r>
+              <a:rPr lang="en-US" dirty="0"/>
+              <a:t> </a:t>
+            </a:r>
+            <a:r>
+              <a:rPr lang="en-US" dirty="0" err="1"/>
+              <a:t>mensen</a:t>
+            </a:r>
+            <a:r>
+              <a:rPr lang="en-US" dirty="0"/>
+              <a:t> </a:t>
+            </a:r>
+            <a:r>
+              <a:rPr lang="en-US" dirty="0" err="1"/>
+              <a:t>informatie</a:t>
+            </a:r>
+            <a:r>
+              <a:rPr lang="en-US" dirty="0"/>
+              <a:t> over het </a:t>
+            </a:r>
+            <a:r>
+              <a:rPr lang="en-US" dirty="0" err="1"/>
+              <a:t>schilderij</a:t>
+            </a:r>
+            <a:r>
+              <a:rPr lang="en-US" dirty="0"/>
+              <a:t> / </a:t>
+            </a:r>
+            <a:r>
+              <a:rPr lang="en-US" dirty="0" err="1"/>
+              <a:t>ruimte</a:t>
+            </a:r>
+            <a:r>
+              <a:rPr lang="en-US" dirty="0"/>
+              <a:t> </a:t>
+            </a:r>
+            <a:r>
+              <a:rPr lang="en-US" dirty="0" err="1"/>
+              <a:t>te</a:t>
+            </a:r>
+            <a:r>
+              <a:rPr lang="en-US" dirty="0"/>
+              <a:t> </a:t>
+            </a:r>
+            <a:r>
+              <a:rPr lang="en-US" dirty="0" err="1"/>
+              <a:t>weten</a:t>
+            </a:r>
+            <a:r>
+              <a:rPr lang="en-US" dirty="0"/>
+              <a:t> </a:t>
+            </a:r>
+            <a:r>
+              <a:rPr lang="en-US" dirty="0" err="1"/>
+              <a:t>komen</a:t>
+            </a:r>
+            <a:endParaRPr lang="en-GB" dirty="0"/>
+          </a:p>
+        </p:txBody>
+      </p:sp>
+      <p:sp>
+        <p:nvSpPr>
+          <p:cNvPr id="4" name="Tijdelijke aanduiding voor dianummer 3"/>
+          <p:cNvSpPr>
+            <a:spLocks noGrp="1"/>
+          </p:cNvSpPr>
+          <p:nvPr>
+            <p:ph type="sldNum" sz="quarter" idx="5"/>
+          </p:nvPr>
+        </p:nvSpPr>
+        <p:spPr/>
+        <p:txBody>
+          <a:bodyPr/>
+          <a:lstStyle/>
+          <a:p>
+            <a:fld id="{BEC32623-32FA-478E-B501-F8548A57DE88}" type="slidenum">
+              <a:rPr lang="en-GB" smtClean="0"/>
+              <a:t>4</a:t>
+            </a:fld>
+            <a:endParaRPr lang="en-GB"/>
+          </a:p>
+        </p:txBody>
+      </p:sp>
+    </p:spTree>
+    <p:extLst>
+      <p:ext uri="{BB962C8B-B14F-4D97-AF65-F5344CB8AC3E}">
+        <p14:creationId xmlns:p14="http://schemas.microsoft.com/office/powerpoint/2010/main" val="3760658033"/>
+      </p:ext>
+    </p:extLst>
+  </p:cSld>
+  <p:clrMapOvr>
+    <a:masterClrMapping/>
+  </p:clrMapOvr>
+</p:notes>
+</file>
+
+<file path=ppt/notesSlides/notesSlide3.xml><?xml version="1.0" encoding="utf-8"?>
+<p:notes xmlns:a="http://schemas.openxmlformats.org/drawingml/2006/main" xmlns:r="http://schemas.openxmlformats.org/officeDocument/2006/relationships" xmlns:p="http://schemas.openxmlformats.org/presentationml/2006/main">
+  <p:cSld>
+    <p:spTree>
+      <p:nvGrpSpPr>
+        <p:cNvPr id="1" name=""/>
+        <p:cNvGrpSpPr/>
+        <p:nvPr/>
+      </p:nvGrpSpPr>
+      <p:grpSpPr>
+        <a:xfrm>
+          <a:off x="0" y="0"/>
+          <a:ext cx="0" cy="0"/>
+          <a:chOff x="0" y="0"/>
+          <a:chExt cx="0" cy="0"/>
+        </a:xfrm>
+      </p:grpSpPr>
+      <p:sp>
+        <p:nvSpPr>
+          <p:cNvPr id="2" name="Tijdelijke aanduiding voor dia-afbeelding 1"/>
+          <p:cNvSpPr>
+            <a:spLocks noGrp="1" noRot="1" noChangeAspect="1"/>
+          </p:cNvSpPr>
+          <p:nvPr>
+            <p:ph type="sldImg"/>
+          </p:nvPr>
+        </p:nvSpPr>
+        <p:spPr/>
+      </p:sp>
+      <p:sp>
+        <p:nvSpPr>
+          <p:cNvPr id="3" name="Tijdelijke aanduiding voor notities 2"/>
+          <p:cNvSpPr>
+            <a:spLocks noGrp="1"/>
+          </p:cNvSpPr>
+          <p:nvPr>
+            <p:ph type="body" idx="1"/>
+          </p:nvPr>
+        </p:nvSpPr>
+        <p:spPr/>
+        <p:txBody>
+          <a:bodyPr/>
+          <a:lstStyle/>
+          <a:p>
+            <a:r>
+              <a:rPr lang="en-US" dirty="0"/>
+              <a:t>Generalize polygon approximation: currently only support extraction of polygons that are quads, problem when polygons with sides &gt; 4 because transforming to standard format is not easy then</a:t>
+            </a:r>
+          </a:p>
+          <a:p>
+            <a:r>
+              <a:rPr lang="en-US" dirty="0"/>
+              <a:t>Parts of algorithm can be swapped: modularity</a:t>
+            </a:r>
+            <a:endParaRPr lang="en-GB" dirty="0"/>
+          </a:p>
+        </p:txBody>
+      </p:sp>
+      <p:sp>
+        <p:nvSpPr>
+          <p:cNvPr id="4" name="Tijdelijke aanduiding voor dianummer 3"/>
+          <p:cNvSpPr>
+            <a:spLocks noGrp="1"/>
+          </p:cNvSpPr>
+          <p:nvPr>
+            <p:ph type="sldNum" sz="quarter" idx="5"/>
+          </p:nvPr>
+        </p:nvSpPr>
+        <p:spPr/>
+        <p:txBody>
+          <a:bodyPr/>
+          <a:lstStyle/>
+          <a:p>
+            <a:fld id="{BEC32623-32FA-478E-B501-F8548A57DE88}" type="slidenum">
+              <a:rPr lang="en-GB" smtClean="0"/>
+              <a:t>19</a:t>
+            </a:fld>
+            <a:endParaRPr lang="en-GB"/>
+          </a:p>
+        </p:txBody>
+      </p:sp>
+    </p:spTree>
+    <p:extLst>
+      <p:ext uri="{BB962C8B-B14F-4D97-AF65-F5344CB8AC3E}">
+        <p14:creationId xmlns:p14="http://schemas.microsoft.com/office/powerpoint/2010/main" val="4086213891"/>
+      </p:ext>
+    </p:extLst>
+  </p:cSld>
+  <p:clrMapOvr>
+    <a:masterClrMapping/>
+  </p:clrMapOvr>
+</p:notes>
+</file>
+
 <file path=ppt/slideLayouts/slideLayout1.xml><?xml version="1.0" encoding="utf-8"?>
 <p:sldLayout xmlns:a="http://schemas.openxmlformats.org/drawingml/2006/main" xmlns:r="http://schemas.openxmlformats.org/officeDocument/2006/relationships" xmlns:p="http://schemas.openxmlformats.org/presentationml/2006/main" type="title" preserve="1">
   <p:cSld name="Titeldia">
@@ -264,7 +1003,7 @@
           <a:p>
             <a:fld id="{48A87A34-81AB-432B-8DAE-1953F412C126}" type="datetimeFigureOut">
               <a:rPr lang="en-US" dirty="0"/>
-              <a:t>30-May-19</a:t>
+              <a:t>5/30/2019</a:t>
             </a:fld>
             <a:endParaRPr lang="en-US" dirty="0"/>
           </a:p>
@@ -316,7 +1055,7 @@
           <a:p>
             <a:fld id="{6D22F896-40B5-4ADD-8801-0D06FADFA095}" type="slidenum">
               <a:rPr lang="en-US" dirty="0"/>
-              <a:t>‹#›</a:t>
+              <a:t>‹nr.›</a:t>
             </a:fld>
             <a:endParaRPr lang="en-US" dirty="0"/>
           </a:p>
@@ -470,7 +1209,7 @@
           <a:p>
             <a:fld id="{48A87A34-81AB-432B-8DAE-1953F412C126}" type="datetimeFigureOut">
               <a:rPr lang="en-US" dirty="0"/>
-              <a:t>30-May-19</a:t>
+              <a:t>5/30/2019</a:t>
             </a:fld>
             <a:endParaRPr lang="en-US" dirty="0"/>
           </a:p>
@@ -512,7 +1251,7 @@
           <a:p>
             <a:fld id="{6D22F896-40B5-4ADD-8801-0D06FADFA095}" type="slidenum">
               <a:rPr lang="en-US" dirty="0"/>
-              <a:t>‹#›</a:t>
+              <a:t>‹nr.›</a:t>
             </a:fld>
             <a:endParaRPr lang="en-US" dirty="0"/>
           </a:p>
@@ -680,7 +1419,7 @@
           <a:p>
             <a:fld id="{48A87A34-81AB-432B-8DAE-1953F412C126}" type="datetimeFigureOut">
               <a:rPr lang="en-US" dirty="0"/>
-              <a:t>30-May-19</a:t>
+              <a:t>5/30/2019</a:t>
             </a:fld>
             <a:endParaRPr lang="en-US" dirty="0"/>
           </a:p>
@@ -722,7 +1461,7 @@
           <a:p>
             <a:fld id="{6D22F896-40B5-4ADD-8801-0D06FADFA095}" type="slidenum">
               <a:rPr lang="en-US" dirty="0"/>
-              <a:t>‹#›</a:t>
+              <a:t>‹nr.›</a:t>
             </a:fld>
             <a:endParaRPr lang="en-US" dirty="0"/>
           </a:p>
@@ -876,7 +1615,7 @@
           <a:p>
             <a:fld id="{48A87A34-81AB-432B-8DAE-1953F412C126}" type="datetimeFigureOut">
               <a:rPr lang="en-US" dirty="0"/>
-              <a:t>30-May-19</a:t>
+              <a:t>5/30/2019</a:t>
             </a:fld>
             <a:endParaRPr lang="en-US" dirty="0"/>
           </a:p>
@@ -918,7 +1657,7 @@
           <a:p>
             <a:fld id="{6D22F896-40B5-4ADD-8801-0D06FADFA095}" type="slidenum">
               <a:rPr lang="en-US" dirty="0"/>
-              <a:t>‹#›</a:t>
+              <a:t>‹nr.›</a:t>
             </a:fld>
             <a:endParaRPr lang="en-US" dirty="0"/>
           </a:p>
@@ -1150,7 +1889,7 @@
           <a:p>
             <a:fld id="{48A87A34-81AB-432B-8DAE-1953F412C126}" type="datetimeFigureOut">
               <a:rPr lang="en-US" dirty="0"/>
-              <a:t>30-May-19</a:t>
+              <a:t>5/30/2019</a:t>
             </a:fld>
             <a:endParaRPr lang="en-US" dirty="0"/>
           </a:p>
@@ -1192,7 +1931,7 @@
           <a:p>
             <a:fld id="{6D22F896-40B5-4ADD-8801-0D06FADFA095}" type="slidenum">
               <a:rPr lang="en-US" dirty="0"/>
-              <a:t>‹#›</a:t>
+              <a:t>‹nr.›</a:t>
             </a:fld>
             <a:endParaRPr lang="en-US" dirty="0"/>
           </a:p>
@@ -1413,7 +2152,7 @@
           <a:p>
             <a:fld id="{48A87A34-81AB-432B-8DAE-1953F412C126}" type="datetimeFigureOut">
               <a:rPr lang="en-US" dirty="0"/>
-              <a:t>30-May-19</a:t>
+              <a:t>5/30/2019</a:t>
             </a:fld>
             <a:endParaRPr lang="en-US" dirty="0"/>
           </a:p>
@@ -1455,7 +2194,7 @@
           <a:p>
             <a:fld id="{6D22F896-40B5-4ADD-8801-0D06FADFA095}" type="slidenum">
               <a:rPr lang="en-US" dirty="0"/>
-              <a:t>‹#›</a:t>
+              <a:t>‹nr.›</a:t>
             </a:fld>
             <a:endParaRPr lang="en-US" dirty="0"/>
           </a:p>
@@ -1824,7 +2563,7 @@
           <a:p>
             <a:fld id="{48A87A34-81AB-432B-8DAE-1953F412C126}" type="datetimeFigureOut">
               <a:rPr lang="en-US" dirty="0"/>
-              <a:t>30-May-19</a:t>
+              <a:t>5/30/2019</a:t>
             </a:fld>
             <a:endParaRPr lang="en-US" dirty="0"/>
           </a:p>
@@ -1866,7 +2605,7 @@
           <a:p>
             <a:fld id="{6D22F896-40B5-4ADD-8801-0D06FADFA095}" type="slidenum">
               <a:rPr lang="en-US" dirty="0"/>
-              <a:t>‹#›</a:t>
+              <a:t>‹nr.›</a:t>
             </a:fld>
             <a:endParaRPr lang="en-US" dirty="0"/>
           </a:p>
@@ -1968,7 +2707,7 @@
           <a:p>
             <a:fld id="{48A87A34-81AB-432B-8DAE-1953F412C126}" type="datetimeFigureOut">
               <a:rPr lang="en-US" dirty="0"/>
-              <a:t>30-May-19</a:t>
+              <a:t>5/30/2019</a:t>
             </a:fld>
             <a:endParaRPr lang="en-US" dirty="0"/>
           </a:p>
@@ -2010,7 +2749,7 @@
           <a:p>
             <a:fld id="{6D22F896-40B5-4ADD-8801-0D06FADFA095}" type="slidenum">
               <a:rPr lang="en-US" dirty="0"/>
-              <a:t>‹#›</a:t>
+              <a:t>‹nr.›</a:t>
             </a:fld>
             <a:endParaRPr lang="en-US" dirty="0"/>
           </a:p>
@@ -2089,7 +2828,7 @@
           <a:p>
             <a:fld id="{48A87A34-81AB-432B-8DAE-1953F412C126}" type="datetimeFigureOut">
               <a:rPr lang="en-US" dirty="0"/>
-              <a:t>30-May-19</a:t>
+              <a:t>5/30/2019</a:t>
             </a:fld>
             <a:endParaRPr lang="en-US" dirty="0"/>
           </a:p>
@@ -2131,7 +2870,7 @@
           <a:p>
             <a:fld id="{6D22F896-40B5-4ADD-8801-0D06FADFA095}" type="slidenum">
               <a:rPr lang="en-US" dirty="0"/>
-              <a:t>‹#›</a:t>
+              <a:t>‹nr.›</a:t>
             </a:fld>
             <a:endParaRPr lang="en-US" dirty="0"/>
           </a:p>
@@ -2335,7 +3074,7 @@
           <a:p>
             <a:fld id="{48A87A34-81AB-432B-8DAE-1953F412C126}" type="datetimeFigureOut">
               <a:rPr lang="en-US" dirty="0"/>
-              <a:t>30-May-19</a:t>
+              <a:t>5/30/2019</a:t>
             </a:fld>
             <a:endParaRPr lang="en-US" dirty="0"/>
           </a:p>
@@ -2377,7 +3116,7 @@
           <a:p>
             <a:fld id="{6D22F896-40B5-4ADD-8801-0D06FADFA095}" type="slidenum">
               <a:rPr lang="en-US" dirty="0"/>
-              <a:t>‹#›</a:t>
+              <a:t>‹nr.›</a:t>
             </a:fld>
             <a:endParaRPr lang="en-US" dirty="0"/>
           </a:p>
@@ -2776,7 +3515,7 @@
             <a:fld id="{48A87A34-81AB-432B-8DAE-1953F412C126}" type="datetimeFigureOut">
               <a:rPr lang="en-US" dirty="0"/>
               <a:pPr/>
-              <a:t>30-May-19</a:t>
+              <a:t>5/30/2019</a:t>
             </a:fld>
             <a:endParaRPr lang="en-US" dirty="0"/>
           </a:p>
@@ -2823,7 +3562,7 @@
           <a:p>
             <a:fld id="{6D22F896-40B5-4ADD-8801-0D06FADFA095}" type="slidenum">
               <a:rPr lang="en-US" dirty="0"/>
-              <a:t>‹#›</a:t>
+              <a:t>‹nr.›</a:t>
             </a:fld>
             <a:endParaRPr lang="en-US" dirty="0"/>
           </a:p>
@@ -3098,7 +3837,7 @@
             <a:fld id="{48A87A34-81AB-432B-8DAE-1953F412C126}" type="datetimeFigureOut">
               <a:rPr lang="en-US" dirty="0"/>
               <a:pPr/>
-              <a:t>30-May-19</a:t>
+              <a:t>5/30/2019</a:t>
             </a:fld>
             <a:endParaRPr lang="en-US" dirty="0"/>
           </a:p>
@@ -3175,7 +3914,7 @@
             <a:fld id="{6D22F896-40B5-4ADD-8801-0D06FADFA095}" type="slidenum">
               <a:rPr lang="en-US" dirty="0"/>
               <a:pPr/>
-              <a:t>‹#›</a:t>
+              <a:t>‹nr.›</a:t>
             </a:fld>
             <a:endParaRPr lang="en-US" dirty="0"/>
           </a:p>
@@ -3673,7 +4412,7 @@
           <p:cNvPr id="2" name="Titel 1">
             <a:extLst>
               <a:ext uri="{FF2B5EF4-FFF2-40B4-BE49-F238E27FC236}">
-                <a16:creationId xmlns:a16="http://schemas.microsoft.com/office/drawing/2014/main" id="{F896CCF9-D6F6-4FED-BD94-2B1858660864}"/>
+                <a16:creationId xmlns:a16="http://schemas.microsoft.com/office/drawing/2014/main" id="{F173767B-C535-443C-8EBC-6BB4D4AC4477}"/>
               </a:ext>
             </a:extLst>
           </p:cNvPr>
@@ -3691,7 +4430,7 @@
           <a:p>
             <a:r>
               <a:rPr lang="en-US" dirty="0"/>
-              <a:t>Path tracking</a:t>
+              <a:t>Database</a:t>
             </a:r>
             <a:endParaRPr lang="en-GB" dirty="0"/>
           </a:p>
@@ -3702,7 +4441,7 @@
           <p:cNvPr id="3" name="Tijdelijke aanduiding voor inhoud 2">
             <a:extLst>
               <a:ext uri="{FF2B5EF4-FFF2-40B4-BE49-F238E27FC236}">
-                <a16:creationId xmlns:a16="http://schemas.microsoft.com/office/drawing/2014/main" id="{A41E72F0-4E74-4EB1-90F7-D8E0DB4845F4}"/>
+                <a16:creationId xmlns:a16="http://schemas.microsoft.com/office/drawing/2014/main" id="{EB12860D-2F4B-48C9-9099-715A6CB85252}"/>
               </a:ext>
             </a:extLst>
           </p:cNvPr>
@@ -3718,14 +4457,35 @@
           <a:bodyPr/>
           <a:lstStyle/>
           <a:p>
-            <a:endParaRPr lang="en-GB"/>
+            <a:r>
+              <a:rPr lang="en-US" dirty="0"/>
+              <a:t>Feature detection takes a while</a:t>
+            </a:r>
+          </a:p>
+          <a:p>
+            <a:r>
+              <a:rPr lang="en-US" dirty="0"/>
+              <a:t>Persistency by saving to disk</a:t>
+            </a:r>
+          </a:p>
+          <a:p>
+            <a:r>
+              <a:rPr lang="en-US" dirty="0"/>
+              <a:t>Metadata, feature points, descriptors</a:t>
+            </a:r>
+          </a:p>
+          <a:p>
+            <a:endParaRPr lang="en-US" dirty="0"/>
+          </a:p>
+          <a:p>
+            <a:endParaRPr lang="en-GB" dirty="0"/>
           </a:p>
         </p:txBody>
       </p:sp>
     </p:spTree>
     <p:extLst>
       <p:ext uri="{BB962C8B-B14F-4D97-AF65-F5344CB8AC3E}">
-        <p14:creationId xmlns:p14="http://schemas.microsoft.com/office/powerpoint/2010/main" val="205671520"/>
+        <p14:creationId xmlns:p14="http://schemas.microsoft.com/office/powerpoint/2010/main" val="3737134673"/>
       </p:ext>
     </p:extLst>
   </p:cSld>
@@ -3757,7 +4517,7 @@
           <p:cNvPr id="2" name="Titel 1">
             <a:extLst>
               <a:ext uri="{FF2B5EF4-FFF2-40B4-BE49-F238E27FC236}">
-                <a16:creationId xmlns:a16="http://schemas.microsoft.com/office/drawing/2014/main" id="{9BEA78A2-523B-4A95-90E3-F4AF145BEA43}"/>
+                <a16:creationId xmlns:a16="http://schemas.microsoft.com/office/drawing/2014/main" id="{F173767B-C535-443C-8EBC-6BB4D4AC4477}"/>
               </a:ext>
             </a:extLst>
           </p:cNvPr>
@@ -3775,7 +4535,7 @@
           <a:p>
             <a:r>
               <a:rPr lang="en-US" dirty="0"/>
-              <a:t>Applying to videos</a:t>
+              <a:t>matching</a:t>
             </a:r>
             <a:endParaRPr lang="en-GB" dirty="0"/>
           </a:p>
@@ -3786,7 +4546,7 @@
           <p:cNvPr id="3" name="Tijdelijke aanduiding voor inhoud 2">
             <a:extLst>
               <a:ext uri="{FF2B5EF4-FFF2-40B4-BE49-F238E27FC236}">
-                <a16:creationId xmlns:a16="http://schemas.microsoft.com/office/drawing/2014/main" id="{B59C632D-6524-4026-B4D4-7C11E81BF6DA}"/>
+                <a16:creationId xmlns:a16="http://schemas.microsoft.com/office/drawing/2014/main" id="{EB12860D-2F4B-48C9-9099-715A6CB85252}"/>
               </a:ext>
             </a:extLst>
           </p:cNvPr>
@@ -3797,10 +4557,91 @@
             <p:ph idx="1"/>
           </p:nvPr>
         </p:nvSpPr>
-        <p:spPr/>
-        <p:txBody>
-          <a:bodyPr/>
-          <a:lstStyle/>
+        <p:spPr>
+          <a:xfrm>
+            <a:off x="1451579" y="2015732"/>
+            <a:ext cx="9603275" cy="4289274"/>
+          </a:xfrm>
+        </p:spPr>
+        <p:txBody>
+          <a:bodyPr>
+            <a:normAutofit/>
+          </a:bodyPr>
+          <a:lstStyle/>
+          <a:p>
+            <a:r>
+              <a:rPr lang="en-US" dirty="0"/>
+              <a:t>Brute Force matcher</a:t>
+            </a:r>
+          </a:p>
+          <a:p>
+            <a:pPr lvl="1"/>
+            <a:r>
+              <a:rPr lang="en-US" dirty="0"/>
+              <a:t>Extracted vs database</a:t>
+            </a:r>
+          </a:p>
+          <a:p>
+            <a:r>
+              <a:rPr lang="en-US" dirty="0"/>
+              <a:t>Linear lookup per segmented picture</a:t>
+            </a:r>
+          </a:p>
+          <a:p>
+            <a:pPr lvl="1"/>
+            <a:r>
+              <a:rPr lang="en-US" dirty="0"/>
+              <a:t>Straightforward</a:t>
+            </a:r>
+          </a:p>
+          <a:p>
+            <a:r>
+              <a:rPr lang="en-US" dirty="0"/>
+              <a:t>Linear lookup per video</a:t>
+            </a:r>
+          </a:p>
+          <a:p>
+            <a:pPr lvl="1"/>
+            <a:r>
+              <a:rPr lang="en-US" dirty="0"/>
+              <a:t>CPU intensive!</a:t>
+            </a:r>
+          </a:p>
+          <a:p>
+            <a:r>
+              <a:rPr lang="en-US" dirty="0"/>
+              <a:t>Matching procedure started every 50 frames</a:t>
+            </a:r>
+          </a:p>
+          <a:p>
+            <a:pPr lvl="1"/>
+            <a:r>
+              <a:rPr lang="en-US" dirty="0"/>
+              <a:t>Realistic</a:t>
+            </a:r>
+          </a:p>
+          <a:p>
+            <a:pPr lvl="1"/>
+            <a:r>
+              <a:rPr lang="en-US" dirty="0"/>
+              <a:t>Saves on processing time</a:t>
+            </a:r>
+          </a:p>
+          <a:p>
+            <a:pPr lvl="1"/>
+            <a:endParaRPr lang="en-US" dirty="0"/>
+          </a:p>
+          <a:p>
+            <a:pPr lvl="1"/>
+            <a:endParaRPr lang="en-US" dirty="0"/>
+          </a:p>
+          <a:p>
+            <a:pPr lvl="1"/>
+            <a:endParaRPr lang="en-US" dirty="0"/>
+          </a:p>
+          <a:p>
+            <a:endParaRPr lang="en-US" dirty="0"/>
+          </a:p>
           <a:p>
             <a:endParaRPr lang="en-GB" dirty="0"/>
           </a:p>
@@ -3809,7 +4650,7 @@
     </p:spTree>
     <p:extLst>
       <p:ext uri="{BB962C8B-B14F-4D97-AF65-F5344CB8AC3E}">
-        <p14:creationId xmlns:p14="http://schemas.microsoft.com/office/powerpoint/2010/main" val="1692908139"/>
+        <p14:creationId xmlns:p14="http://schemas.microsoft.com/office/powerpoint/2010/main" val="307809369"/>
       </p:ext>
     </p:extLst>
   </p:cSld>
@@ -3841,7 +4682,7 @@
           <p:cNvPr id="2" name="Titel 1">
             <a:extLst>
               <a:ext uri="{FF2B5EF4-FFF2-40B4-BE49-F238E27FC236}">
-                <a16:creationId xmlns:a16="http://schemas.microsoft.com/office/drawing/2014/main" id="{A6876972-9AA9-4132-B4E0-BAF5BBC4B99F}"/>
+                <a16:creationId xmlns:a16="http://schemas.microsoft.com/office/drawing/2014/main" id="{F896CCF9-D6F6-4FED-BD94-2B1858660864}"/>
               </a:ext>
             </a:extLst>
           </p:cNvPr>
@@ -3857,10 +4698,9 @@
           <a:bodyPr/>
           <a:lstStyle/>
           <a:p>
-            <a:pPr algn="ctr"/>
-            <a:r>
-              <a:rPr lang="en-US" dirty="0"/>
-              <a:t>DEMO</a:t>
+            <a:r>
+              <a:rPr lang="en-US" dirty="0"/>
+              <a:t>Path tracking</a:t>
             </a:r>
             <a:endParaRPr lang="en-GB" dirty="0"/>
           </a:p>
@@ -3868,10 +4708,10 @@
       </p:sp>
       <p:sp>
         <p:nvSpPr>
-          <p:cNvPr id="3" name="Tijdelijke aanduiding voor tekst 2">
+          <p:cNvPr id="3" name="Tijdelijke aanduiding voor inhoud 2">
             <a:extLst>
               <a:ext uri="{FF2B5EF4-FFF2-40B4-BE49-F238E27FC236}">
-                <a16:creationId xmlns:a16="http://schemas.microsoft.com/office/drawing/2014/main" id="{76A7D0FD-078D-4C86-A685-0315177D8A9A}"/>
+                <a16:creationId xmlns:a16="http://schemas.microsoft.com/office/drawing/2014/main" id="{A41E72F0-4E74-4EB1-90F7-D8E0DB4845F4}"/>
               </a:ext>
             </a:extLst>
           </p:cNvPr>
@@ -3879,14 +4719,78 @@
             <a:spLocks noGrp="1"/>
           </p:cNvSpPr>
           <p:nvPr>
-            <p:ph type="body" idx="1"/>
+            <p:ph idx="1"/>
           </p:nvPr>
         </p:nvSpPr>
         <p:spPr/>
         <p:txBody>
-          <a:bodyPr/>
-          <a:lstStyle/>
-          <a:p>
+          <a:bodyPr>
+            <a:normAutofit lnSpcReduction="10000"/>
+          </a:bodyPr>
+          <a:lstStyle/>
+          <a:p>
+            <a:r>
+              <a:rPr lang="en-US" dirty="0"/>
+              <a:t>Meta data of matched painting</a:t>
+            </a:r>
+          </a:p>
+          <a:p>
+            <a:pPr lvl="1"/>
+            <a:r>
+              <a:rPr lang="en-US" dirty="0"/>
+              <a:t>Room number</a:t>
+            </a:r>
+          </a:p>
+          <a:p>
+            <a:pPr lvl="1"/>
+            <a:r>
+              <a:rPr lang="en-US" dirty="0"/>
+              <a:t>Expandable (cf. database)</a:t>
+            </a:r>
+          </a:p>
+          <a:p>
+            <a:r>
+              <a:rPr lang="en-US" dirty="0"/>
+              <a:t>Graph of floor plan</a:t>
+            </a:r>
+          </a:p>
+          <a:p>
+            <a:pPr lvl="1"/>
+            <a:r>
+              <a:rPr lang="en-US" dirty="0"/>
+              <a:t>Marking of nodes</a:t>
+            </a:r>
+          </a:p>
+          <a:p>
+            <a:pPr lvl="2"/>
+            <a:r>
+              <a:rPr lang="en-US" dirty="0"/>
+              <a:t>Started</a:t>
+            </a:r>
+          </a:p>
+          <a:p>
+            <a:pPr lvl="2"/>
+            <a:r>
+              <a:rPr lang="en-US" dirty="0"/>
+              <a:t>Visited</a:t>
+            </a:r>
+          </a:p>
+          <a:p>
+            <a:pPr lvl="2"/>
+            <a:r>
+              <a:rPr lang="en-US" dirty="0"/>
+              <a:t>Current/ended</a:t>
+            </a:r>
+          </a:p>
+          <a:p>
+            <a:pPr lvl="1"/>
+            <a:r>
+              <a:rPr lang="en-US" dirty="0"/>
+              <a:t>Strict!</a:t>
+            </a:r>
+          </a:p>
+          <a:p>
+            <a:pPr lvl="1"/>
             <a:endParaRPr lang="en-GB" dirty="0"/>
           </a:p>
         </p:txBody>
@@ -3894,7 +4798,7 @@
     </p:spTree>
     <p:extLst>
       <p:ext uri="{BB962C8B-B14F-4D97-AF65-F5344CB8AC3E}">
-        <p14:creationId xmlns:p14="http://schemas.microsoft.com/office/powerpoint/2010/main" val="361430493"/>
+        <p14:creationId xmlns:p14="http://schemas.microsoft.com/office/powerpoint/2010/main" val="205671520"/>
       </p:ext>
     </p:extLst>
   </p:cSld>
@@ -3926,7 +4830,7 @@
           <p:cNvPr id="2" name="Titel 1">
             <a:extLst>
               <a:ext uri="{FF2B5EF4-FFF2-40B4-BE49-F238E27FC236}">
-                <a16:creationId xmlns:a16="http://schemas.microsoft.com/office/drawing/2014/main" id="{D1E4AAD1-09F0-4F55-9121-67EDB2E0E9EA}"/>
+                <a16:creationId xmlns:a16="http://schemas.microsoft.com/office/drawing/2014/main" id="{A6876972-9AA9-4132-B4E0-BAF5BBC4B99F}"/>
               </a:ext>
             </a:extLst>
           </p:cNvPr>
@@ -3942,9 +4846,10 @@
           <a:bodyPr/>
           <a:lstStyle/>
           <a:p>
-            <a:r>
-              <a:rPr lang="en-US" dirty="0"/>
-              <a:t>evaluation</a:t>
+            <a:pPr algn="ctr"/>
+            <a:r>
+              <a:rPr lang="en-US" dirty="0"/>
+              <a:t>DEMO</a:t>
             </a:r>
             <a:endParaRPr lang="en-GB" dirty="0"/>
           </a:p>
@@ -3952,10 +4857,10 @@
       </p:sp>
       <p:sp>
         <p:nvSpPr>
-          <p:cNvPr id="3" name="Tijdelijke aanduiding voor inhoud 2">
+          <p:cNvPr id="3" name="Tijdelijke aanduiding voor tekst 2">
             <a:extLst>
               <a:ext uri="{FF2B5EF4-FFF2-40B4-BE49-F238E27FC236}">
-                <a16:creationId xmlns:a16="http://schemas.microsoft.com/office/drawing/2014/main" id="{8962420D-C56B-46DF-B1A8-6735ADD5D8BF}"/>
+                <a16:creationId xmlns:a16="http://schemas.microsoft.com/office/drawing/2014/main" id="{76A7D0FD-078D-4C86-A685-0315177D8A9A}"/>
               </a:ext>
             </a:extLst>
           </p:cNvPr>
@@ -3963,7 +4868,7 @@
             <a:spLocks noGrp="1"/>
           </p:cNvSpPr>
           <p:nvPr>
-            <p:ph idx="1"/>
+            <p:ph type="body" idx="1"/>
           </p:nvPr>
         </p:nvSpPr>
         <p:spPr/>
@@ -3971,16 +4876,6 @@
           <a:bodyPr/>
           <a:lstStyle/>
           <a:p>
-            <a:r>
-              <a:rPr lang="en-US" dirty="0"/>
-              <a:t>Quantitative</a:t>
-            </a:r>
-          </a:p>
-          <a:p>
-            <a:r>
-              <a:rPr lang="en-US" dirty="0"/>
-              <a:t>Qualitative</a:t>
-            </a:r>
             <a:endParaRPr lang="en-GB" dirty="0"/>
           </a:p>
         </p:txBody>
@@ -3988,7 +4883,7 @@
     </p:spTree>
     <p:extLst>
       <p:ext uri="{BB962C8B-B14F-4D97-AF65-F5344CB8AC3E}">
-        <p14:creationId xmlns:p14="http://schemas.microsoft.com/office/powerpoint/2010/main" val="1478508416"/>
+        <p14:creationId xmlns:p14="http://schemas.microsoft.com/office/powerpoint/2010/main" val="361430493"/>
       </p:ext>
     </p:extLst>
   </p:cSld>
@@ -4020,6 +4915,1133 @@
           <p:cNvPr id="2" name="Titel 1">
             <a:extLst>
               <a:ext uri="{FF2B5EF4-FFF2-40B4-BE49-F238E27FC236}">
+                <a16:creationId xmlns:a16="http://schemas.microsoft.com/office/drawing/2014/main" id="{D1E4AAD1-09F0-4F55-9121-67EDB2E0E9EA}"/>
+              </a:ext>
+            </a:extLst>
+          </p:cNvPr>
+          <p:cNvSpPr>
+            <a:spLocks noGrp="1"/>
+          </p:cNvSpPr>
+          <p:nvPr>
+            <p:ph type="title"/>
+          </p:nvPr>
+        </p:nvSpPr>
+        <p:spPr/>
+        <p:txBody>
+          <a:bodyPr/>
+          <a:lstStyle/>
+          <a:p>
+            <a:r>
+              <a:rPr lang="en-US" dirty="0"/>
+              <a:t>Quantitative evaluation</a:t>
+            </a:r>
+            <a:endParaRPr lang="en-GB" dirty="0"/>
+          </a:p>
+        </p:txBody>
+      </p:sp>
+      <p:sp>
+        <p:nvSpPr>
+          <p:cNvPr id="3" name="Tijdelijke aanduiding voor inhoud 2">
+            <a:extLst>
+              <a:ext uri="{FF2B5EF4-FFF2-40B4-BE49-F238E27FC236}">
+                <a16:creationId xmlns:a16="http://schemas.microsoft.com/office/drawing/2014/main" id="{8962420D-C56B-46DF-B1A8-6735ADD5D8BF}"/>
+              </a:ext>
+            </a:extLst>
+          </p:cNvPr>
+          <p:cNvSpPr>
+            <a:spLocks noGrp="1"/>
+          </p:cNvSpPr>
+          <p:nvPr>
+            <p:ph idx="1"/>
+          </p:nvPr>
+        </p:nvSpPr>
+        <p:spPr/>
+        <p:txBody>
+          <a:bodyPr/>
+          <a:lstStyle/>
+          <a:p>
+            <a:r>
+              <a:rPr lang="en-US" dirty="0"/>
+              <a:t>Ground truth</a:t>
+            </a:r>
+          </a:p>
+          <a:p>
+            <a:pPr lvl="1"/>
+            <a:r>
+              <a:rPr lang="en-US" dirty="0"/>
+              <a:t>Random sample (n = 30) from dataset</a:t>
+            </a:r>
+          </a:p>
+          <a:p>
+            <a:pPr lvl="1"/>
+            <a:r>
+              <a:rPr lang="en-US" dirty="0"/>
+              <a:t>1 minute segment of video</a:t>
+            </a:r>
+          </a:p>
+          <a:p>
+            <a:endParaRPr lang="en-US" dirty="0"/>
+          </a:p>
+          <a:p>
+            <a:pPr lvl="1"/>
+            <a:endParaRPr lang="en-GB" dirty="0"/>
+          </a:p>
+        </p:txBody>
+      </p:sp>
+    </p:spTree>
+    <p:extLst>
+      <p:ext uri="{BB962C8B-B14F-4D97-AF65-F5344CB8AC3E}">
+        <p14:creationId xmlns:p14="http://schemas.microsoft.com/office/powerpoint/2010/main" val="1478508416"/>
+      </p:ext>
+    </p:extLst>
+  </p:cSld>
+  <p:clrMapOvr>
+    <a:masterClrMapping/>
+  </p:clrMapOvr>
+</p:sld>
+</file>
+
+<file path=ppt/slides/slide15.xml><?xml version="1.0" encoding="utf-8"?>
+<p:sld xmlns:a="http://schemas.openxmlformats.org/drawingml/2006/main" xmlns:r="http://schemas.openxmlformats.org/officeDocument/2006/relationships" xmlns:p="http://schemas.openxmlformats.org/presentationml/2006/main">
+  <p:cSld>
+    <p:bg>
+      <p:bgPr>
+        <a:gradFill rotWithShape="1">
+          <a:gsLst>
+            <a:gs pos="0">
+              <a:schemeClr val="bg2">
+                <a:tint val="94000"/>
+                <a:satMod val="80000"/>
+                <a:lumMod val="106000"/>
+              </a:schemeClr>
+            </a:gs>
+            <a:gs pos="100000">
+              <a:schemeClr val="bg2">
+                <a:shade val="80000"/>
+              </a:schemeClr>
+            </a:gs>
+          </a:gsLst>
+          <a:path path="circle">
+            <a:fillToRect l="43000" r="43000" b="100000"/>
+          </a:path>
+        </a:gradFill>
+        <a:effectLst/>
+      </p:bgPr>
+    </p:bg>
+    <p:spTree>
+      <p:nvGrpSpPr>
+        <p:cNvPr id="1" name=""/>
+        <p:cNvGrpSpPr/>
+        <p:nvPr/>
+      </p:nvGrpSpPr>
+      <p:grpSpPr>
+        <a:xfrm>
+          <a:off x="0" y="0"/>
+          <a:ext cx="0" cy="0"/>
+          <a:chOff x="0" y="0"/>
+          <a:chExt cx="0" cy="0"/>
+        </a:xfrm>
+      </p:grpSpPr>
+      <p:sp>
+        <p:nvSpPr>
+          <p:cNvPr id="2" name="Titel 1">
+            <a:extLst>
+              <a:ext uri="{FF2B5EF4-FFF2-40B4-BE49-F238E27FC236}">
+                <a16:creationId xmlns:a16="http://schemas.microsoft.com/office/drawing/2014/main" id="{D1E4AAD1-09F0-4F55-9121-67EDB2E0E9EA}"/>
+              </a:ext>
+            </a:extLst>
+          </p:cNvPr>
+          <p:cNvSpPr>
+            <a:spLocks noGrp="1"/>
+          </p:cNvSpPr>
+          <p:nvPr>
+            <p:ph type="title"/>
+          </p:nvPr>
+        </p:nvSpPr>
+        <p:spPr>
+          <a:xfrm>
+            <a:off x="1451579" y="804519"/>
+            <a:ext cx="9603275" cy="1049235"/>
+          </a:xfrm>
+        </p:spPr>
+        <p:txBody>
+          <a:bodyPr>
+            <a:normAutofit/>
+          </a:bodyPr>
+          <a:lstStyle/>
+          <a:p>
+            <a:r>
+              <a:rPr lang="en-US" dirty="0"/>
+              <a:t>Quantitative evaluation</a:t>
+            </a:r>
+            <a:endParaRPr lang="en-GB" dirty="0"/>
+          </a:p>
+        </p:txBody>
+      </p:sp>
+      <p:sp>
+        <p:nvSpPr>
+          <p:cNvPr id="3" name="Tijdelijke aanduiding voor inhoud 2">
+            <a:extLst>
+              <a:ext uri="{FF2B5EF4-FFF2-40B4-BE49-F238E27FC236}">
+                <a16:creationId xmlns:a16="http://schemas.microsoft.com/office/drawing/2014/main" id="{8962420D-C56B-46DF-B1A8-6735ADD5D8BF}"/>
+              </a:ext>
+            </a:extLst>
+          </p:cNvPr>
+          <p:cNvSpPr>
+            <a:spLocks noGrp="1"/>
+          </p:cNvSpPr>
+          <p:nvPr>
+            <p:ph idx="1"/>
+          </p:nvPr>
+        </p:nvSpPr>
+        <p:spPr>
+          <a:xfrm>
+            <a:off x="1451579" y="2015734"/>
+            <a:ext cx="4162555" cy="3450613"/>
+          </a:xfrm>
+        </p:spPr>
+        <p:txBody>
+          <a:bodyPr>
+            <a:normAutofit/>
+          </a:bodyPr>
+          <a:lstStyle/>
+          <a:p>
+            <a:r>
+              <a:rPr lang="en-US" dirty="0"/>
+              <a:t>Segmentation accuracy</a:t>
+            </a:r>
+          </a:p>
+          <a:p>
+            <a:pPr lvl="1"/>
+            <a:r>
+              <a:rPr lang="en-US" dirty="0"/>
+              <a:t>Ratio of shared area between two polygons</a:t>
+            </a:r>
+          </a:p>
+          <a:p>
+            <a:pPr lvl="2"/>
+            <a:r>
+              <a:rPr lang="en-US" dirty="0"/>
+              <a:t>0.0 = no shared area</a:t>
+            </a:r>
+          </a:p>
+          <a:p>
+            <a:pPr lvl="2"/>
+            <a:r>
+              <a:rPr lang="en-US" dirty="0"/>
+              <a:t>1.0 = perfect overlap</a:t>
+            </a:r>
+          </a:p>
+          <a:p>
+            <a:pPr lvl="1"/>
+            <a:r>
+              <a:rPr lang="en-US" dirty="0"/>
+              <a:t>88.57% correctness</a:t>
+            </a:r>
+          </a:p>
+          <a:p>
+            <a:pPr lvl="2"/>
+            <a:endParaRPr lang="en-US" dirty="0"/>
+          </a:p>
+          <a:p>
+            <a:pPr marL="914400" lvl="2" indent="0">
+              <a:buNone/>
+            </a:pPr>
+            <a:endParaRPr lang="en-US" dirty="0"/>
+          </a:p>
+          <a:p>
+            <a:endParaRPr lang="en-US" dirty="0"/>
+          </a:p>
+          <a:p>
+            <a:pPr lvl="1"/>
+            <a:endParaRPr lang="en-GB" dirty="0"/>
+          </a:p>
+        </p:txBody>
+      </p:sp>
+      <p:pic>
+        <p:nvPicPr>
+          <p:cNvPr id="7" name="Afbeelding 6">
+            <a:extLst>
+              <a:ext uri="{FF2B5EF4-FFF2-40B4-BE49-F238E27FC236}">
+                <a16:creationId xmlns:a16="http://schemas.microsoft.com/office/drawing/2014/main" id="{E908F034-875D-40B7-94D9-DF5C043AF15B}"/>
+              </a:ext>
+            </a:extLst>
+          </p:cNvPr>
+          <p:cNvPicPr>
+            <a:picLocks noChangeAspect="1"/>
+          </p:cNvPicPr>
+          <p:nvPr/>
+        </p:nvPicPr>
+        <p:blipFill>
+          <a:blip r:embed="rId2"/>
+          <a:stretch>
+            <a:fillRect/>
+          </a:stretch>
+        </p:blipFill>
+        <p:spPr>
+          <a:xfrm>
+            <a:off x="6443831" y="2002236"/>
+            <a:ext cx="4410202" cy="3435377"/>
+          </a:xfrm>
+          <a:prstGeom prst="rect">
+            <a:avLst/>
+          </a:prstGeom>
+        </p:spPr>
+      </p:pic>
+      <p:pic>
+        <p:nvPicPr>
+          <p:cNvPr id="5" name="Afbeelding 4">
+            <a:extLst>
+              <a:ext uri="{FF2B5EF4-FFF2-40B4-BE49-F238E27FC236}">
+                <a16:creationId xmlns:a16="http://schemas.microsoft.com/office/drawing/2014/main" id="{41486135-66E5-4583-B090-C2780D8BA22C}"/>
+              </a:ext>
+            </a:extLst>
+          </p:cNvPr>
+          <p:cNvPicPr>
+            <a:picLocks noChangeAspect="1"/>
+          </p:cNvPicPr>
+          <p:nvPr/>
+        </p:nvPicPr>
+        <p:blipFill>
+          <a:blip r:embed="rId3"/>
+          <a:stretch>
+            <a:fillRect/>
+          </a:stretch>
+        </p:blipFill>
+        <p:spPr>
+          <a:xfrm>
+            <a:off x="6212542" y="1969472"/>
+            <a:ext cx="4662500" cy="3496875"/>
+          </a:xfrm>
+          <a:prstGeom prst="rect">
+            <a:avLst/>
+          </a:prstGeom>
+        </p:spPr>
+      </p:pic>
+    </p:spTree>
+    <p:extLst>
+      <p:ext uri="{BB962C8B-B14F-4D97-AF65-F5344CB8AC3E}">
+        <p14:creationId xmlns:p14="http://schemas.microsoft.com/office/powerpoint/2010/main" val="526094364"/>
+      </p:ext>
+    </p:extLst>
+  </p:cSld>
+  <p:clrMapOvr>
+    <a:masterClrMapping/>
+  </p:clrMapOvr>
+  <p:timing>
+    <p:tnLst>
+      <p:par>
+        <p:cTn id="1" dur="indefinite" restart="never" nodeType="tmRoot">
+          <p:childTnLst>
+            <p:seq concurrent="1" nextAc="seek">
+              <p:cTn id="2" dur="indefinite" nodeType="mainSeq">
+                <p:childTnLst>
+                  <p:par>
+                    <p:cTn id="3" fill="hold">
+                      <p:stCondLst>
+                        <p:cond delay="indefinite"/>
+                      </p:stCondLst>
+                      <p:childTnLst>
+                        <p:par>
+                          <p:cTn id="4" fill="hold">
+                            <p:stCondLst>
+                              <p:cond delay="0"/>
+                            </p:stCondLst>
+                            <p:childTnLst>
+                              <p:par>
+                                <p:cTn id="5" presetID="1" presetClass="entr" presetSubtype="0" fill="hold" grpId="0" nodeType="clickEffect">
+                                  <p:stCondLst>
+                                    <p:cond delay="0"/>
+                                  </p:stCondLst>
+                                  <p:childTnLst>
+                                    <p:set>
+                                      <p:cBhvr>
+                                        <p:cTn id="6" dur="1" fill="hold">
+                                          <p:stCondLst>
+                                            <p:cond delay="0"/>
+                                          </p:stCondLst>
+                                        </p:cTn>
+                                        <p:tgtEl>
+                                          <p:spTgt spid="3">
+                                            <p:txEl>
+                                              <p:pRg st="0" end="0"/>
+                                            </p:txEl>
+                                          </p:spTgt>
+                                        </p:tgtEl>
+                                        <p:attrNameLst>
+                                          <p:attrName>style.visibility</p:attrName>
+                                        </p:attrNameLst>
+                                      </p:cBhvr>
+                                      <p:to>
+                                        <p:strVal val="visible"/>
+                                      </p:to>
+                                    </p:set>
+                                  </p:childTnLst>
+                                </p:cTn>
+                              </p:par>
+                            </p:childTnLst>
+                          </p:cTn>
+                        </p:par>
+                      </p:childTnLst>
+                    </p:cTn>
+                  </p:par>
+                  <p:par>
+                    <p:cTn id="7" fill="hold">
+                      <p:stCondLst>
+                        <p:cond delay="indefinite"/>
+                      </p:stCondLst>
+                      <p:childTnLst>
+                        <p:par>
+                          <p:cTn id="8" fill="hold">
+                            <p:stCondLst>
+                              <p:cond delay="0"/>
+                            </p:stCondLst>
+                            <p:childTnLst>
+                              <p:par>
+                                <p:cTn id="9" presetID="1" presetClass="entr" presetSubtype="0" fill="hold" grpId="0" nodeType="clickEffect">
+                                  <p:stCondLst>
+                                    <p:cond delay="0"/>
+                                  </p:stCondLst>
+                                  <p:childTnLst>
+                                    <p:set>
+                                      <p:cBhvr>
+                                        <p:cTn id="10" dur="1" fill="hold">
+                                          <p:stCondLst>
+                                            <p:cond delay="0"/>
+                                          </p:stCondLst>
+                                        </p:cTn>
+                                        <p:tgtEl>
+                                          <p:spTgt spid="3">
+                                            <p:txEl>
+                                              <p:pRg st="1" end="1"/>
+                                            </p:txEl>
+                                          </p:spTgt>
+                                        </p:tgtEl>
+                                        <p:attrNameLst>
+                                          <p:attrName>style.visibility</p:attrName>
+                                        </p:attrNameLst>
+                                      </p:cBhvr>
+                                      <p:to>
+                                        <p:strVal val="visible"/>
+                                      </p:to>
+                                    </p:set>
+                                  </p:childTnLst>
+                                </p:cTn>
+                              </p:par>
+                            </p:childTnLst>
+                          </p:cTn>
+                        </p:par>
+                        <p:par>
+                          <p:cTn id="11" fill="hold">
+                            <p:stCondLst>
+                              <p:cond delay="0"/>
+                            </p:stCondLst>
+                            <p:childTnLst>
+                              <p:par>
+                                <p:cTn id="12" presetID="1" presetClass="entr" presetSubtype="0" fill="hold" grpId="0" nodeType="afterEffect">
+                                  <p:stCondLst>
+                                    <p:cond delay="0"/>
+                                  </p:stCondLst>
+                                  <p:childTnLst>
+                                    <p:set>
+                                      <p:cBhvr>
+                                        <p:cTn id="13" dur="1" fill="hold">
+                                          <p:stCondLst>
+                                            <p:cond delay="0"/>
+                                          </p:stCondLst>
+                                        </p:cTn>
+                                        <p:tgtEl>
+                                          <p:spTgt spid="3">
+                                            <p:txEl>
+                                              <p:pRg st="2" end="2"/>
+                                            </p:txEl>
+                                          </p:spTgt>
+                                        </p:tgtEl>
+                                        <p:attrNameLst>
+                                          <p:attrName>style.visibility</p:attrName>
+                                        </p:attrNameLst>
+                                      </p:cBhvr>
+                                      <p:to>
+                                        <p:strVal val="visible"/>
+                                      </p:to>
+                                    </p:set>
+                                  </p:childTnLst>
+                                </p:cTn>
+                              </p:par>
+                              <p:par>
+                                <p:cTn id="14" presetID="1" presetClass="entr" presetSubtype="0" fill="hold" grpId="0" nodeType="withEffect">
+                                  <p:stCondLst>
+                                    <p:cond delay="0"/>
+                                  </p:stCondLst>
+                                  <p:childTnLst>
+                                    <p:set>
+                                      <p:cBhvr>
+                                        <p:cTn id="15" dur="1" fill="hold">
+                                          <p:stCondLst>
+                                            <p:cond delay="0"/>
+                                          </p:stCondLst>
+                                        </p:cTn>
+                                        <p:tgtEl>
+                                          <p:spTgt spid="3">
+                                            <p:txEl>
+                                              <p:pRg st="3" end="3"/>
+                                            </p:txEl>
+                                          </p:spTgt>
+                                        </p:tgtEl>
+                                        <p:attrNameLst>
+                                          <p:attrName>style.visibility</p:attrName>
+                                        </p:attrNameLst>
+                                      </p:cBhvr>
+                                      <p:to>
+                                        <p:strVal val="visible"/>
+                                      </p:to>
+                                    </p:set>
+                                  </p:childTnLst>
+                                </p:cTn>
+                              </p:par>
+                            </p:childTnLst>
+                          </p:cTn>
+                        </p:par>
+                      </p:childTnLst>
+                    </p:cTn>
+                  </p:par>
+                  <p:par>
+                    <p:cTn id="16" fill="hold">
+                      <p:stCondLst>
+                        <p:cond delay="indefinite"/>
+                      </p:stCondLst>
+                      <p:childTnLst>
+                        <p:par>
+                          <p:cTn id="17" fill="hold">
+                            <p:stCondLst>
+                              <p:cond delay="0"/>
+                            </p:stCondLst>
+                            <p:childTnLst>
+                              <p:par>
+                                <p:cTn id="18" presetID="10" presetClass="entr" presetSubtype="0" fill="hold" nodeType="clickEffect">
+                                  <p:stCondLst>
+                                    <p:cond delay="0"/>
+                                  </p:stCondLst>
+                                  <p:childTnLst>
+                                    <p:set>
+                                      <p:cBhvr>
+                                        <p:cTn id="19" dur="1" fill="hold">
+                                          <p:stCondLst>
+                                            <p:cond delay="0"/>
+                                          </p:stCondLst>
+                                        </p:cTn>
+                                        <p:tgtEl>
+                                          <p:spTgt spid="7"/>
+                                        </p:tgtEl>
+                                        <p:attrNameLst>
+                                          <p:attrName>style.visibility</p:attrName>
+                                        </p:attrNameLst>
+                                      </p:cBhvr>
+                                      <p:to>
+                                        <p:strVal val="visible"/>
+                                      </p:to>
+                                    </p:set>
+                                    <p:animEffect transition="in" filter="fade">
+                                      <p:cBhvr>
+                                        <p:cTn id="20" dur="500"/>
+                                        <p:tgtEl>
+                                          <p:spTgt spid="7"/>
+                                        </p:tgtEl>
+                                      </p:cBhvr>
+                                    </p:animEffect>
+                                  </p:childTnLst>
+                                </p:cTn>
+                              </p:par>
+                            </p:childTnLst>
+                          </p:cTn>
+                        </p:par>
+                      </p:childTnLst>
+                    </p:cTn>
+                  </p:par>
+                  <p:par>
+                    <p:cTn id="21" fill="hold">
+                      <p:stCondLst>
+                        <p:cond delay="indefinite"/>
+                      </p:stCondLst>
+                      <p:childTnLst>
+                        <p:par>
+                          <p:cTn id="22" fill="hold">
+                            <p:stCondLst>
+                              <p:cond delay="0"/>
+                            </p:stCondLst>
+                            <p:childTnLst>
+                              <p:par>
+                                <p:cTn id="23" presetID="1" presetClass="entr" presetSubtype="0" fill="hold" grpId="0" nodeType="clickEffect">
+                                  <p:stCondLst>
+                                    <p:cond delay="0"/>
+                                  </p:stCondLst>
+                                  <p:childTnLst>
+                                    <p:set>
+                                      <p:cBhvr>
+                                        <p:cTn id="24" dur="1" fill="hold">
+                                          <p:stCondLst>
+                                            <p:cond delay="0"/>
+                                          </p:stCondLst>
+                                        </p:cTn>
+                                        <p:tgtEl>
+                                          <p:spTgt spid="3">
+                                            <p:txEl>
+                                              <p:pRg st="4" end="4"/>
+                                            </p:txEl>
+                                          </p:spTgt>
+                                        </p:tgtEl>
+                                        <p:attrNameLst>
+                                          <p:attrName>style.visibility</p:attrName>
+                                        </p:attrNameLst>
+                                      </p:cBhvr>
+                                      <p:to>
+                                        <p:strVal val="visible"/>
+                                      </p:to>
+                                    </p:set>
+                                  </p:childTnLst>
+                                </p:cTn>
+                              </p:par>
+                              <p:par>
+                                <p:cTn id="25" presetID="10" presetClass="entr" presetSubtype="0" fill="hold" nodeType="withEffect">
+                                  <p:stCondLst>
+                                    <p:cond delay="0"/>
+                                  </p:stCondLst>
+                                  <p:childTnLst>
+                                    <p:set>
+                                      <p:cBhvr>
+                                        <p:cTn id="26" dur="1" fill="hold">
+                                          <p:stCondLst>
+                                            <p:cond delay="0"/>
+                                          </p:stCondLst>
+                                        </p:cTn>
+                                        <p:tgtEl>
+                                          <p:spTgt spid="5"/>
+                                        </p:tgtEl>
+                                        <p:attrNameLst>
+                                          <p:attrName>style.visibility</p:attrName>
+                                        </p:attrNameLst>
+                                      </p:cBhvr>
+                                      <p:to>
+                                        <p:strVal val="visible"/>
+                                      </p:to>
+                                    </p:set>
+                                    <p:animEffect transition="in" filter="fade">
+                                      <p:cBhvr>
+                                        <p:cTn id="27" dur="500"/>
+                                        <p:tgtEl>
+                                          <p:spTgt spid="5"/>
+                                        </p:tgtEl>
+                                      </p:cBhvr>
+                                    </p:animEffect>
+                                  </p:childTnLst>
+                                </p:cTn>
+                              </p:par>
+                            </p:childTnLst>
+                          </p:cTn>
+                        </p:par>
+                      </p:childTnLst>
+                    </p:cTn>
+                  </p:par>
+                </p:childTnLst>
+              </p:cTn>
+              <p:prevCondLst>
+                <p:cond evt="onPrev" delay="0">
+                  <p:tgtEl>
+                    <p:sldTgt/>
+                  </p:tgtEl>
+                </p:cond>
+              </p:prevCondLst>
+              <p:nextCondLst>
+                <p:cond evt="onNext" delay="0">
+                  <p:tgtEl>
+                    <p:sldTgt/>
+                  </p:tgtEl>
+                </p:cond>
+              </p:nextCondLst>
+            </p:seq>
+          </p:childTnLst>
+        </p:cTn>
+      </p:par>
+    </p:tnLst>
+    <p:bldLst>
+      <p:bldP spid="3" grpId="0" uiExpand="1" build="p"/>
+    </p:bldLst>
+  </p:timing>
+</p:sld>
+</file>
+
+<file path=ppt/slides/slide16.xml><?xml version="1.0" encoding="utf-8"?>
+<p:sld xmlns:a="http://schemas.openxmlformats.org/drawingml/2006/main" xmlns:r="http://schemas.openxmlformats.org/officeDocument/2006/relationships" xmlns:p="http://schemas.openxmlformats.org/presentationml/2006/main">
+  <p:cSld>
+    <p:spTree>
+      <p:nvGrpSpPr>
+        <p:cNvPr id="1" name=""/>
+        <p:cNvGrpSpPr/>
+        <p:nvPr/>
+      </p:nvGrpSpPr>
+      <p:grpSpPr>
+        <a:xfrm>
+          <a:off x="0" y="0"/>
+          <a:ext cx="0" cy="0"/>
+          <a:chOff x="0" y="0"/>
+          <a:chExt cx="0" cy="0"/>
+        </a:xfrm>
+      </p:grpSpPr>
+      <p:sp>
+        <p:nvSpPr>
+          <p:cNvPr id="2" name="Titel 1">
+            <a:extLst>
+              <a:ext uri="{FF2B5EF4-FFF2-40B4-BE49-F238E27FC236}">
+                <a16:creationId xmlns:a16="http://schemas.microsoft.com/office/drawing/2014/main" id="{D1E4AAD1-09F0-4F55-9121-67EDB2E0E9EA}"/>
+              </a:ext>
+            </a:extLst>
+          </p:cNvPr>
+          <p:cNvSpPr>
+            <a:spLocks noGrp="1"/>
+          </p:cNvSpPr>
+          <p:nvPr>
+            <p:ph type="title"/>
+          </p:nvPr>
+        </p:nvSpPr>
+        <p:spPr/>
+        <p:txBody>
+          <a:bodyPr/>
+          <a:lstStyle/>
+          <a:p>
+            <a:r>
+              <a:rPr lang="en-US" dirty="0"/>
+              <a:t>Quantitative evaluation</a:t>
+            </a:r>
+            <a:endParaRPr lang="en-GB" dirty="0"/>
+          </a:p>
+        </p:txBody>
+      </p:sp>
+      <p:sp>
+        <p:nvSpPr>
+          <p:cNvPr id="3" name="Tijdelijke aanduiding voor inhoud 2">
+            <a:extLst>
+              <a:ext uri="{FF2B5EF4-FFF2-40B4-BE49-F238E27FC236}">
+                <a16:creationId xmlns:a16="http://schemas.microsoft.com/office/drawing/2014/main" id="{8962420D-C56B-46DF-B1A8-6735ADD5D8BF}"/>
+              </a:ext>
+            </a:extLst>
+          </p:cNvPr>
+          <p:cNvSpPr>
+            <a:spLocks noGrp="1"/>
+          </p:cNvSpPr>
+          <p:nvPr>
+            <p:ph idx="1"/>
+          </p:nvPr>
+        </p:nvSpPr>
+        <p:spPr/>
+        <p:txBody>
+          <a:bodyPr/>
+          <a:lstStyle/>
+          <a:p>
+            <a:r>
+              <a:rPr lang="en-US" dirty="0"/>
+              <a:t>Matching accuracy</a:t>
+            </a:r>
+          </a:p>
+          <a:p>
+            <a:pPr lvl="1"/>
+            <a:r>
+              <a:rPr lang="en-US" dirty="0"/>
+              <a:t>True or false</a:t>
+            </a:r>
+          </a:p>
+          <a:p>
+            <a:pPr lvl="2"/>
+            <a:r>
+              <a:rPr lang="en-US" dirty="0"/>
+              <a:t>Manually evaluated</a:t>
+            </a:r>
+          </a:p>
+          <a:p>
+            <a:pPr lvl="1"/>
+            <a:r>
+              <a:rPr lang="en-US" dirty="0"/>
+              <a:t>47.10% correctness</a:t>
+            </a:r>
+          </a:p>
+          <a:p>
+            <a:pPr lvl="2"/>
+            <a:endParaRPr lang="en-GB" dirty="0"/>
+          </a:p>
+        </p:txBody>
+      </p:sp>
+    </p:spTree>
+    <p:extLst>
+      <p:ext uri="{BB962C8B-B14F-4D97-AF65-F5344CB8AC3E}">
+        <p14:creationId xmlns:p14="http://schemas.microsoft.com/office/powerpoint/2010/main" val="2879354644"/>
+      </p:ext>
+    </p:extLst>
+  </p:cSld>
+  <p:clrMapOvr>
+    <a:masterClrMapping/>
+  </p:clrMapOvr>
+</p:sld>
+</file>
+
+<file path=ppt/slides/slide17.xml><?xml version="1.0" encoding="utf-8"?>
+<p:sld xmlns:a="http://schemas.openxmlformats.org/drawingml/2006/main" xmlns:r="http://schemas.openxmlformats.org/officeDocument/2006/relationships" xmlns:p="http://schemas.openxmlformats.org/presentationml/2006/main">
+  <p:cSld>
+    <p:spTree>
+      <p:nvGrpSpPr>
+        <p:cNvPr id="1" name=""/>
+        <p:cNvGrpSpPr/>
+        <p:nvPr/>
+      </p:nvGrpSpPr>
+      <p:grpSpPr>
+        <a:xfrm>
+          <a:off x="0" y="0"/>
+          <a:ext cx="0" cy="0"/>
+          <a:chOff x="0" y="0"/>
+          <a:chExt cx="0" cy="0"/>
+        </a:xfrm>
+      </p:grpSpPr>
+      <p:sp>
+        <p:nvSpPr>
+          <p:cNvPr id="2" name="Titel 1">
+            <a:extLst>
+              <a:ext uri="{FF2B5EF4-FFF2-40B4-BE49-F238E27FC236}">
+                <a16:creationId xmlns:a16="http://schemas.microsoft.com/office/drawing/2014/main" id="{D1E4AAD1-09F0-4F55-9121-67EDB2E0E9EA}"/>
+              </a:ext>
+            </a:extLst>
+          </p:cNvPr>
+          <p:cNvSpPr>
+            <a:spLocks noGrp="1"/>
+          </p:cNvSpPr>
+          <p:nvPr>
+            <p:ph type="title"/>
+          </p:nvPr>
+        </p:nvSpPr>
+        <p:spPr/>
+        <p:txBody>
+          <a:bodyPr/>
+          <a:lstStyle/>
+          <a:p>
+            <a:r>
+              <a:rPr lang="en-US" dirty="0"/>
+              <a:t>Qualitative evaluation</a:t>
+            </a:r>
+            <a:endParaRPr lang="en-GB" dirty="0"/>
+          </a:p>
+        </p:txBody>
+      </p:sp>
+      <p:sp>
+        <p:nvSpPr>
+          <p:cNvPr id="3" name="Tijdelijke aanduiding voor inhoud 2">
+            <a:extLst>
+              <a:ext uri="{FF2B5EF4-FFF2-40B4-BE49-F238E27FC236}">
+                <a16:creationId xmlns:a16="http://schemas.microsoft.com/office/drawing/2014/main" id="{8962420D-C56B-46DF-B1A8-6735ADD5D8BF}"/>
+              </a:ext>
+            </a:extLst>
+          </p:cNvPr>
+          <p:cNvSpPr>
+            <a:spLocks noGrp="1"/>
+          </p:cNvSpPr>
+          <p:nvPr>
+            <p:ph idx="1"/>
+          </p:nvPr>
+        </p:nvSpPr>
+        <p:spPr/>
+        <p:txBody>
+          <a:bodyPr/>
+          <a:lstStyle/>
+          <a:p>
+            <a:r>
+              <a:rPr lang="en-US" dirty="0"/>
+              <a:t>Strengths</a:t>
+            </a:r>
+          </a:p>
+          <a:p>
+            <a:pPr lvl="1"/>
+            <a:r>
+              <a:rPr lang="en-US" dirty="0"/>
+              <a:t>Simple</a:t>
+            </a:r>
+          </a:p>
+          <a:p>
+            <a:pPr lvl="2"/>
+            <a:r>
+              <a:rPr lang="en-US" dirty="0"/>
+              <a:t>Too simple?</a:t>
+            </a:r>
+          </a:p>
+          <a:p>
+            <a:pPr lvl="1"/>
+            <a:r>
+              <a:rPr lang="en-US" dirty="0"/>
+              <a:t>Relatively fast</a:t>
+            </a:r>
+          </a:p>
+          <a:p>
+            <a:pPr lvl="2"/>
+            <a:r>
+              <a:rPr lang="en-US" dirty="0"/>
+              <a:t>But can definitely improve!</a:t>
+            </a:r>
+          </a:p>
+          <a:p>
+            <a:pPr lvl="1"/>
+            <a:r>
+              <a:rPr lang="en-US" dirty="0"/>
+              <a:t>Invariant</a:t>
+            </a:r>
+          </a:p>
+          <a:p>
+            <a:pPr lvl="1"/>
+            <a:r>
+              <a:rPr lang="en-US" dirty="0"/>
+              <a:t>Resilient without segmentation</a:t>
+            </a:r>
+          </a:p>
+          <a:p>
+            <a:pPr lvl="2"/>
+            <a:endParaRPr lang="en-GB" dirty="0"/>
+          </a:p>
+        </p:txBody>
+      </p:sp>
+    </p:spTree>
+    <p:extLst>
+      <p:ext uri="{BB962C8B-B14F-4D97-AF65-F5344CB8AC3E}">
+        <p14:creationId xmlns:p14="http://schemas.microsoft.com/office/powerpoint/2010/main" val="899185745"/>
+      </p:ext>
+    </p:extLst>
+  </p:cSld>
+  <p:clrMapOvr>
+    <a:masterClrMapping/>
+  </p:clrMapOvr>
+</p:sld>
+</file>
+
+<file path=ppt/slides/slide18.xml><?xml version="1.0" encoding="utf-8"?>
+<p:sld xmlns:a="http://schemas.openxmlformats.org/drawingml/2006/main" xmlns:r="http://schemas.openxmlformats.org/officeDocument/2006/relationships" xmlns:p="http://schemas.openxmlformats.org/presentationml/2006/main">
+  <p:cSld>
+    <p:spTree>
+      <p:nvGrpSpPr>
+        <p:cNvPr id="1" name=""/>
+        <p:cNvGrpSpPr/>
+        <p:nvPr/>
+      </p:nvGrpSpPr>
+      <p:grpSpPr>
+        <a:xfrm>
+          <a:off x="0" y="0"/>
+          <a:ext cx="0" cy="0"/>
+          <a:chOff x="0" y="0"/>
+          <a:chExt cx="0" cy="0"/>
+        </a:xfrm>
+      </p:grpSpPr>
+      <p:sp>
+        <p:nvSpPr>
+          <p:cNvPr id="2" name="Titel 1">
+            <a:extLst>
+              <a:ext uri="{FF2B5EF4-FFF2-40B4-BE49-F238E27FC236}">
+                <a16:creationId xmlns:a16="http://schemas.microsoft.com/office/drawing/2014/main" id="{D1E4AAD1-09F0-4F55-9121-67EDB2E0E9EA}"/>
+              </a:ext>
+            </a:extLst>
+          </p:cNvPr>
+          <p:cNvSpPr>
+            <a:spLocks noGrp="1"/>
+          </p:cNvSpPr>
+          <p:nvPr>
+            <p:ph type="title"/>
+          </p:nvPr>
+        </p:nvSpPr>
+        <p:spPr/>
+        <p:txBody>
+          <a:bodyPr/>
+          <a:lstStyle/>
+          <a:p>
+            <a:r>
+              <a:rPr lang="en-US" dirty="0"/>
+              <a:t>Qualitative evaluation</a:t>
+            </a:r>
+            <a:endParaRPr lang="en-GB" dirty="0"/>
+          </a:p>
+        </p:txBody>
+      </p:sp>
+      <p:sp>
+        <p:nvSpPr>
+          <p:cNvPr id="3" name="Tijdelijke aanduiding voor inhoud 2">
+            <a:extLst>
+              <a:ext uri="{FF2B5EF4-FFF2-40B4-BE49-F238E27FC236}">
+                <a16:creationId xmlns:a16="http://schemas.microsoft.com/office/drawing/2014/main" id="{8962420D-C56B-46DF-B1A8-6735ADD5D8BF}"/>
+              </a:ext>
+            </a:extLst>
+          </p:cNvPr>
+          <p:cNvSpPr>
+            <a:spLocks noGrp="1"/>
+          </p:cNvSpPr>
+          <p:nvPr>
+            <p:ph idx="1"/>
+          </p:nvPr>
+        </p:nvSpPr>
+        <p:spPr>
+          <a:xfrm>
+            <a:off x="1451579" y="2015731"/>
+            <a:ext cx="9603275" cy="4037749"/>
+          </a:xfrm>
+        </p:spPr>
+        <p:txBody>
+          <a:bodyPr>
+            <a:normAutofit fontScale="85000" lnSpcReduction="20000"/>
+          </a:bodyPr>
+          <a:lstStyle/>
+          <a:p>
+            <a:r>
+              <a:rPr lang="en-US" dirty="0"/>
+              <a:t>Flaws</a:t>
+            </a:r>
+          </a:p>
+          <a:p>
+            <a:pPr lvl="1"/>
+            <a:r>
+              <a:rPr lang="en-US" dirty="0"/>
+              <a:t>Prone to image size</a:t>
+            </a:r>
+          </a:p>
+          <a:p>
+            <a:pPr lvl="2"/>
+            <a:r>
+              <a:rPr lang="en-US" dirty="0"/>
+              <a:t>Resize necessary</a:t>
+            </a:r>
+          </a:p>
+          <a:p>
+            <a:pPr lvl="3"/>
+            <a:r>
+              <a:rPr lang="en-US" dirty="0"/>
+              <a:t>%25 &gt; x16 less pixels</a:t>
+            </a:r>
+          </a:p>
+          <a:p>
+            <a:pPr lvl="3"/>
+            <a:r>
+              <a:rPr lang="en-US" dirty="0"/>
+              <a:t>Potential loss of information</a:t>
+            </a:r>
+          </a:p>
+          <a:p>
+            <a:pPr lvl="1"/>
+            <a:r>
+              <a:rPr lang="en-US" dirty="0"/>
+              <a:t>Assumption of correct match</a:t>
+            </a:r>
+          </a:p>
+          <a:p>
+            <a:pPr lvl="2"/>
+            <a:r>
+              <a:rPr lang="en-US" dirty="0"/>
+              <a:t>Smallest sum of matches</a:t>
+            </a:r>
+          </a:p>
+          <a:p>
+            <a:pPr lvl="2"/>
+            <a:r>
+              <a:rPr lang="en-US" dirty="0"/>
+              <a:t>Descriptor count mismatch!</a:t>
+            </a:r>
+          </a:p>
+          <a:p>
+            <a:pPr lvl="1"/>
+            <a:r>
+              <a:rPr lang="en-US" dirty="0"/>
+              <a:t>Segmentation not perfect</a:t>
+            </a:r>
+          </a:p>
+          <a:p>
+            <a:pPr lvl="2"/>
+            <a:r>
+              <a:rPr lang="en-US" dirty="0"/>
+              <a:t>Smaller quad detectable but not a valid painting</a:t>
+            </a:r>
+          </a:p>
+          <a:p>
+            <a:pPr lvl="1"/>
+            <a:r>
+              <a:rPr lang="en-US" dirty="0"/>
+              <a:t>Matching in linear time</a:t>
+            </a:r>
+          </a:p>
+          <a:p>
+            <a:pPr lvl="2"/>
+            <a:r>
+              <a:rPr lang="en-US" dirty="0"/>
+              <a:t>Exhibits O(</a:t>
+            </a:r>
+            <a:r>
+              <a:rPr lang="en-GB" dirty="0"/>
+              <a:t>n</a:t>
+            </a:r>
+            <a:r>
+              <a:rPr lang="en-GB" baseline="30000" dirty="0"/>
+              <a:t>2</a:t>
+            </a:r>
+            <a:r>
+              <a:rPr lang="en-GB" dirty="0"/>
+              <a:t>) behaviour</a:t>
+            </a:r>
+          </a:p>
+          <a:p>
+            <a:pPr lvl="2"/>
+            <a:r>
+              <a:rPr lang="en-US" dirty="0"/>
+              <a:t>Database of at least 688 x 40 000 elements to compare</a:t>
+            </a:r>
+          </a:p>
+          <a:p>
+            <a:pPr lvl="2"/>
+            <a:r>
+              <a:rPr lang="en-US" dirty="0"/>
+              <a:t>Brute force matching</a:t>
+            </a:r>
+          </a:p>
+          <a:p>
+            <a:pPr lvl="3"/>
+            <a:endParaRPr lang="en-US" dirty="0"/>
+          </a:p>
+          <a:p>
+            <a:pPr lvl="2"/>
+            <a:endParaRPr lang="en-GB" dirty="0"/>
+          </a:p>
+        </p:txBody>
+      </p:sp>
+    </p:spTree>
+    <p:extLst>
+      <p:ext uri="{BB962C8B-B14F-4D97-AF65-F5344CB8AC3E}">
+        <p14:creationId xmlns:p14="http://schemas.microsoft.com/office/powerpoint/2010/main" val="285653621"/>
+      </p:ext>
+    </p:extLst>
+  </p:cSld>
+  <p:clrMapOvr>
+    <a:masterClrMapping/>
+  </p:clrMapOvr>
+</p:sld>
+</file>
+
+<file path=ppt/slides/slide19.xml><?xml version="1.0" encoding="utf-8"?>
+<p:sld xmlns:a="http://schemas.openxmlformats.org/drawingml/2006/main" xmlns:r="http://schemas.openxmlformats.org/officeDocument/2006/relationships" xmlns:p="http://schemas.openxmlformats.org/presentationml/2006/main">
+  <p:cSld>
+    <p:spTree>
+      <p:nvGrpSpPr>
+        <p:cNvPr id="1" name=""/>
+        <p:cNvGrpSpPr/>
+        <p:nvPr/>
+      </p:nvGrpSpPr>
+      <p:grpSpPr>
+        <a:xfrm>
+          <a:off x="0" y="0"/>
+          <a:ext cx="0" cy="0"/>
+          <a:chOff x="0" y="0"/>
+          <a:chExt cx="0" cy="0"/>
+        </a:xfrm>
+      </p:grpSpPr>
+      <p:sp>
+        <p:nvSpPr>
+          <p:cNvPr id="2" name="Titel 1">
+            <a:extLst>
+              <a:ext uri="{FF2B5EF4-FFF2-40B4-BE49-F238E27FC236}">
                 <a16:creationId xmlns:a16="http://schemas.microsoft.com/office/drawing/2014/main" id="{8ED6E488-F527-49FA-B343-F4928732810C}"/>
               </a:ext>
             </a:extLst>
@@ -4065,7 +6087,63 @@
           <a:bodyPr/>
           <a:lstStyle/>
           <a:p>
-            <a:endParaRPr lang="en-GB"/>
+            <a:r>
+              <a:rPr lang="en-US" dirty="0"/>
+              <a:t>Frame segmentation strongest</a:t>
+            </a:r>
+          </a:p>
+          <a:p>
+            <a:pPr lvl="1"/>
+            <a:r>
+              <a:rPr lang="en-US" dirty="0"/>
+              <a:t>Generalize polygon approximation</a:t>
+            </a:r>
+          </a:p>
+          <a:p>
+            <a:r>
+              <a:rPr lang="en-US" dirty="0"/>
+              <a:t>Need focus on matching procedure</a:t>
+            </a:r>
+          </a:p>
+          <a:p>
+            <a:pPr lvl="1"/>
+            <a:r>
+              <a:rPr lang="en-US" dirty="0"/>
+              <a:t>Quantitative</a:t>
+            </a:r>
+          </a:p>
+          <a:p>
+            <a:pPr lvl="1"/>
+            <a:r>
+              <a:rPr lang="en-US" dirty="0"/>
+              <a:t>And qualitative</a:t>
+            </a:r>
+          </a:p>
+          <a:p>
+            <a:r>
+              <a:rPr lang="en-US" dirty="0"/>
+              <a:t>Parts of algorithm can be swapped</a:t>
+            </a:r>
+          </a:p>
+          <a:p>
+            <a:pPr lvl="1"/>
+            <a:r>
+              <a:rPr lang="en-US" dirty="0"/>
+              <a:t>Different types of objects to be matched</a:t>
+            </a:r>
+          </a:p>
+          <a:p>
+            <a:pPr lvl="1"/>
+            <a:r>
+              <a:rPr lang="en-US" dirty="0"/>
+              <a:t>Other location / ground plan</a:t>
+            </a:r>
+          </a:p>
+          <a:p>
+            <a:pPr marL="0" indent="0">
+              <a:buNone/>
+            </a:pPr>
+            <a:endParaRPr lang="en-GB" dirty="0"/>
           </a:p>
         </p:txBody>
       </p:sp>
@@ -4259,22 +6337,39 @@
           <a:p>
             <a:r>
               <a:rPr lang="en-US" dirty="0"/>
-              <a:t>Program/algorithm to localize user in </a:t>
-            </a:r>
-            <a:r>
-              <a:rPr lang="en-US" dirty="0" err="1"/>
-              <a:t>MSK</a:t>
-            </a:r>
-            <a:r>
-              <a:rPr lang="en-US" dirty="0"/>
-              <a:t> building</a:t>
-            </a:r>
-          </a:p>
-          <a:p>
-            <a:r>
-              <a:rPr lang="en-US" dirty="0"/>
-              <a:t>Using painting detection</a:t>
-            </a:r>
+              <a:t>Program/algorithm to localize user in Museum of Fine Arts (MSK) building in Ghent</a:t>
+            </a:r>
+          </a:p>
+          <a:p>
+            <a:pPr lvl="1"/>
+            <a:r>
+              <a:rPr lang="en-US" dirty="0"/>
+              <a:t>Segmentation and extraction of images</a:t>
+            </a:r>
+          </a:p>
+          <a:p>
+            <a:pPr lvl="1"/>
+            <a:r>
+              <a:rPr lang="en-US" dirty="0"/>
+              <a:t>Feature extraction</a:t>
+            </a:r>
+          </a:p>
+          <a:p>
+            <a:pPr lvl="1"/>
+            <a:r>
+              <a:rPr lang="en-US" dirty="0"/>
+              <a:t>Matching</a:t>
+            </a:r>
+          </a:p>
+          <a:p>
+            <a:pPr lvl="1"/>
+            <a:r>
+              <a:rPr lang="en-US" dirty="0"/>
+              <a:t>Path tracking</a:t>
+            </a:r>
+          </a:p>
+          <a:p>
+            <a:pPr lvl="1"/>
             <a:endParaRPr lang="en-GB" dirty="0"/>
           </a:p>
         </p:txBody>
@@ -4461,7 +6556,7 @@
           <a:p>
             <a:r>
               <a:rPr lang="en-US" dirty="0"/>
-              <a:t>Python 3. something</a:t>
+              <a:t>Python 3.7.3</a:t>
             </a:r>
           </a:p>
           <a:p>
@@ -4525,22 +6620,19 @@
             <p:ph type="title"/>
           </p:nvPr>
         </p:nvSpPr>
-        <p:spPr/>
-        <p:txBody>
-          <a:bodyPr/>
-          <a:lstStyle/>
-          <a:p>
-            <a:r>
-              <a:rPr lang="en-US" dirty="0"/>
-              <a:t>[</a:t>
-            </a:r>
-            <a:r>
-              <a:rPr lang="en-US" dirty="0" err="1"/>
-              <a:t>blokdiagram</a:t>
-            </a:r>
-            <a:r>
-              <a:rPr lang="en-US" dirty="0"/>
-              <a:t>]</a:t>
+        <p:spPr>
+          <a:xfrm>
+            <a:off x="1451579" y="804519"/>
+            <a:ext cx="9603275" cy="1049235"/>
+          </a:xfrm>
+        </p:spPr>
+        <p:txBody>
+          <a:bodyPr/>
+          <a:lstStyle/>
+          <a:p>
+            <a:r>
+              <a:rPr lang="en-US" dirty="0"/>
+              <a:t>Block diagram</a:t>
             </a:r>
             <a:endParaRPr lang="en-GB" dirty="0"/>
           </a:p>
@@ -4611,7 +6703,7 @@
           <p:cNvPr id="2" name="Titel 1">
             <a:extLst>
               <a:ext uri="{FF2B5EF4-FFF2-40B4-BE49-F238E27FC236}">
-                <a16:creationId xmlns:a16="http://schemas.microsoft.com/office/drawing/2014/main" id="{21BEFCC8-1746-4849-822A-C15175D3999B}"/>
+                <a16:creationId xmlns:a16="http://schemas.microsoft.com/office/drawing/2014/main" id="{E2D67225-AC98-441C-A2E3-84DC3ACB7AA2}"/>
               </a:ext>
             </a:extLst>
           </p:cNvPr>
@@ -4622,12 +6714,7 @@
             <p:ph type="title"/>
           </p:nvPr>
         </p:nvSpPr>
-        <p:spPr>
-          <a:xfrm>
-            <a:off x="1451579" y="804519"/>
-            <a:ext cx="9603275" cy="1049235"/>
-          </a:xfrm>
-        </p:spPr>
+        <p:spPr/>
         <p:txBody>
           <a:bodyPr/>
           <a:lstStyle/>
@@ -4642,239 +6729,63 @@
       </p:sp>
       <p:sp>
         <p:nvSpPr>
-          <p:cNvPr id="16" name="Tijdelijke aanduiding voor inhoud 2">
+          <p:cNvPr id="3" name="Tijdelijke aanduiding voor inhoud 2">
             <a:extLst>
               <a:ext uri="{FF2B5EF4-FFF2-40B4-BE49-F238E27FC236}">
-                <a16:creationId xmlns:a16="http://schemas.microsoft.com/office/drawing/2014/main" id="{50EE1164-E864-4B8C-95C5-C593C411D56D}"/>
+                <a16:creationId xmlns:a16="http://schemas.microsoft.com/office/drawing/2014/main" id="{8DC514DE-2717-4CD3-AF7A-430E056F6F47}"/>
               </a:ext>
             </a:extLst>
           </p:cNvPr>
-          <p:cNvSpPr txBox="1">
-            <a:spLocks/>
-          </p:cNvSpPr>
-          <p:nvPr/>
-        </p:nvSpPr>
-        <p:spPr>
-          <a:xfrm>
-            <a:off x="1451579" y="2015732"/>
-            <a:ext cx="9603275" cy="3450613"/>
-          </a:xfrm>
-          <a:prstGeom prst="rect">
-            <a:avLst/>
-          </a:prstGeom>
-        </p:spPr>
-        <p:txBody>
-          <a:bodyPr/>
-          <a:lstStyle>
-            <a:lvl1pPr marL="228600" indent="-228600" algn="l" defTabSz="914400" rtl="0" eaLnBrk="1" latinLnBrk="0" hangingPunct="1">
-              <a:lnSpc>
-                <a:spcPct val="120000"/>
-              </a:lnSpc>
-              <a:spcBef>
-                <a:spcPts val="1000"/>
-              </a:spcBef>
-              <a:buClr>
-                <a:schemeClr val="accent1"/>
-              </a:buClr>
-              <a:buSzPct val="100000"/>
-              <a:buFont typeface="Arial" panose="020B0604020202020204" pitchFamily="34" charset="0"/>
-              <a:buChar char="•"/>
-              <a:defRPr sz="2000" kern="1200">
-                <a:solidFill>
-                  <a:schemeClr val="tx1"/>
-                </a:solidFill>
-                <a:effectLst/>
-                <a:latin typeface="+mn-lt"/>
-                <a:ea typeface="+mn-ea"/>
-                <a:cs typeface="+mn-cs"/>
-              </a:defRPr>
-            </a:lvl1pPr>
-            <a:lvl2pPr marL="685800" indent="-228600" algn="l" defTabSz="914400" rtl="0" eaLnBrk="1" latinLnBrk="0" hangingPunct="1">
-              <a:lnSpc>
-                <a:spcPct val="120000"/>
-              </a:lnSpc>
-              <a:spcBef>
-                <a:spcPts val="500"/>
-              </a:spcBef>
-              <a:buClr>
-                <a:schemeClr val="accent1"/>
-              </a:buClr>
-              <a:buSzPct val="100000"/>
-              <a:buFont typeface="Arial" panose="020B0604020202020204" pitchFamily="34" charset="0"/>
-              <a:buChar char="•"/>
-              <a:defRPr sz="1800" kern="1200" cap="none" baseline="0">
-                <a:solidFill>
-                  <a:schemeClr val="tx1"/>
-                </a:solidFill>
-                <a:effectLst/>
-                <a:latin typeface="+mn-lt"/>
-                <a:ea typeface="+mn-ea"/>
-                <a:cs typeface="+mn-cs"/>
-              </a:defRPr>
-            </a:lvl2pPr>
-            <a:lvl3pPr marL="1143000" indent="-228600" algn="l" defTabSz="914400" rtl="0" eaLnBrk="1" latinLnBrk="0" hangingPunct="1">
-              <a:lnSpc>
-                <a:spcPct val="120000"/>
-              </a:lnSpc>
-              <a:spcBef>
-                <a:spcPts val="500"/>
-              </a:spcBef>
-              <a:buClr>
-                <a:schemeClr val="accent1"/>
-              </a:buClr>
-              <a:buSzPct val="100000"/>
-              <a:buFont typeface="Arial" panose="020B0604020202020204" pitchFamily="34" charset="0"/>
-              <a:buChar char="•"/>
-              <a:defRPr sz="1600" kern="1200">
-                <a:solidFill>
-                  <a:schemeClr val="tx1"/>
-                </a:solidFill>
-                <a:effectLst/>
-                <a:latin typeface="+mn-lt"/>
-                <a:ea typeface="+mn-ea"/>
-                <a:cs typeface="+mn-cs"/>
-              </a:defRPr>
-            </a:lvl3pPr>
-            <a:lvl4pPr marL="1600200" indent="-228600" algn="l" defTabSz="914400" rtl="0" eaLnBrk="1" latinLnBrk="0" hangingPunct="1">
-              <a:lnSpc>
-                <a:spcPct val="120000"/>
-              </a:lnSpc>
-              <a:spcBef>
-                <a:spcPts val="500"/>
-              </a:spcBef>
-              <a:buClr>
-                <a:schemeClr val="accent1"/>
-              </a:buClr>
-              <a:buSzPct val="100000"/>
-              <a:buFont typeface="Arial" panose="020B0604020202020204" pitchFamily="34" charset="0"/>
-              <a:buChar char="•"/>
-              <a:defRPr sz="1400" kern="1200" cap="none" baseline="0">
-                <a:solidFill>
-                  <a:schemeClr val="tx1"/>
-                </a:solidFill>
-                <a:effectLst/>
-                <a:latin typeface="+mn-lt"/>
-                <a:ea typeface="+mn-ea"/>
-                <a:cs typeface="+mn-cs"/>
-              </a:defRPr>
-            </a:lvl4pPr>
-            <a:lvl5pPr marL="2057400" indent="-228600" algn="l" defTabSz="914400" rtl="0" eaLnBrk="1" latinLnBrk="0" hangingPunct="1">
-              <a:lnSpc>
-                <a:spcPct val="120000"/>
-              </a:lnSpc>
-              <a:spcBef>
-                <a:spcPts val="500"/>
-              </a:spcBef>
-              <a:buClr>
-                <a:schemeClr val="accent1"/>
-              </a:buClr>
-              <a:buSzPct val="100000"/>
-              <a:buFont typeface="Arial" panose="020B0604020202020204" pitchFamily="34" charset="0"/>
-              <a:buChar char="•"/>
-              <a:defRPr sz="1200" kern="1200">
-                <a:solidFill>
-                  <a:schemeClr val="tx1"/>
-                </a:solidFill>
-                <a:effectLst/>
-                <a:latin typeface="+mn-lt"/>
-                <a:ea typeface="+mn-ea"/>
-                <a:cs typeface="+mn-cs"/>
-              </a:defRPr>
-            </a:lvl5pPr>
-            <a:lvl6pPr marL="2514600" indent="-228600" algn="l" defTabSz="914400" rtl="0" eaLnBrk="1" latinLnBrk="0" hangingPunct="1">
-              <a:lnSpc>
-                <a:spcPct val="120000"/>
-              </a:lnSpc>
-              <a:spcBef>
-                <a:spcPts val="500"/>
-              </a:spcBef>
-              <a:buClr>
-                <a:schemeClr val="accent1"/>
-              </a:buClr>
-              <a:buSzPct val="100000"/>
-              <a:buFont typeface="Arial" panose="020B0604020202020204" pitchFamily="34" charset="0"/>
-              <a:buChar char="•"/>
-              <a:defRPr sz="1200" kern="1200">
-                <a:solidFill>
-                  <a:schemeClr val="tx1"/>
-                </a:solidFill>
-                <a:effectLst/>
-                <a:latin typeface="+mn-lt"/>
-                <a:ea typeface="+mn-ea"/>
-                <a:cs typeface="+mn-cs"/>
-              </a:defRPr>
-            </a:lvl6pPr>
-            <a:lvl7pPr marL="2971800" indent="-228600" algn="l" defTabSz="914400" rtl="0" eaLnBrk="1" latinLnBrk="0" hangingPunct="1">
-              <a:lnSpc>
-                <a:spcPct val="120000"/>
-              </a:lnSpc>
-              <a:spcBef>
-                <a:spcPts val="500"/>
-              </a:spcBef>
-              <a:buClr>
-                <a:schemeClr val="accent1"/>
-              </a:buClr>
-              <a:buSzPct val="100000"/>
-              <a:buFont typeface="Arial" panose="020B0604020202020204" pitchFamily="34" charset="0"/>
-              <a:buChar char="•"/>
-              <a:defRPr sz="1200" kern="1200">
-                <a:solidFill>
-                  <a:schemeClr val="tx1"/>
-                </a:solidFill>
-                <a:effectLst/>
-                <a:latin typeface="+mn-lt"/>
-                <a:ea typeface="+mn-ea"/>
-                <a:cs typeface="+mn-cs"/>
-              </a:defRPr>
-            </a:lvl7pPr>
-            <a:lvl8pPr marL="3429000" indent="-228600" algn="l" defTabSz="914400" rtl="0" eaLnBrk="1" latinLnBrk="0" hangingPunct="1">
-              <a:lnSpc>
-                <a:spcPct val="120000"/>
-              </a:lnSpc>
-              <a:spcBef>
-                <a:spcPts val="500"/>
-              </a:spcBef>
-              <a:buClr>
-                <a:schemeClr val="accent1"/>
-              </a:buClr>
-              <a:buSzPct val="100000"/>
-              <a:buFont typeface="Arial" panose="020B0604020202020204" pitchFamily="34" charset="0"/>
-              <a:buChar char="•"/>
-              <a:defRPr sz="1200" kern="1200" baseline="0">
-                <a:solidFill>
-                  <a:schemeClr val="tx1"/>
-                </a:solidFill>
-                <a:effectLst/>
-                <a:latin typeface="+mn-lt"/>
-                <a:ea typeface="+mn-ea"/>
-                <a:cs typeface="+mn-cs"/>
-              </a:defRPr>
-            </a:lvl8pPr>
-            <a:lvl9pPr marL="3886200" indent="-228600" algn="l" defTabSz="914400" rtl="0" eaLnBrk="1" latinLnBrk="0" hangingPunct="1">
-              <a:lnSpc>
-                <a:spcPct val="120000"/>
-              </a:lnSpc>
-              <a:spcBef>
-                <a:spcPts val="500"/>
-              </a:spcBef>
-              <a:buClr>
-                <a:schemeClr val="accent1"/>
-              </a:buClr>
-              <a:buSzPct val="100000"/>
-              <a:buFont typeface="Arial" panose="020B0604020202020204" pitchFamily="34" charset="0"/>
-              <a:buChar char="•"/>
-              <a:defRPr sz="1200" kern="1200" baseline="0">
-                <a:solidFill>
-                  <a:schemeClr val="tx1"/>
-                </a:solidFill>
-                <a:effectLst/>
-                <a:latin typeface="+mn-lt"/>
-                <a:ea typeface="+mn-ea"/>
-                <a:cs typeface="+mn-cs"/>
-              </a:defRPr>
-            </a:lvl9pPr>
-          </a:lstStyle>
-          <a:p>
+          <p:cNvSpPr>
+            <a:spLocks noGrp="1"/>
+          </p:cNvSpPr>
+          <p:nvPr>
+            <p:ph idx="1"/>
+          </p:nvPr>
+        </p:nvSpPr>
+        <p:spPr/>
+        <p:txBody>
+          <a:bodyPr/>
+          <a:lstStyle/>
+          <a:p>
+            <a:r>
+              <a:rPr lang="en-US" dirty="0"/>
+              <a:t>Resizing</a:t>
+            </a:r>
+          </a:p>
+          <a:p>
+            <a:r>
+              <a:rPr lang="en-US" dirty="0"/>
+              <a:t>Canny</a:t>
+            </a:r>
+          </a:p>
+          <a:p>
+            <a:r>
+              <a:rPr lang="en-US" dirty="0"/>
+              <a:t>Dilatation</a:t>
+            </a:r>
+          </a:p>
+          <a:p>
+            <a:r>
+              <a:rPr lang="en-US" dirty="0"/>
+              <a:t>Contours</a:t>
+            </a:r>
+          </a:p>
+          <a:p>
+            <a:r>
+              <a:rPr lang="en-US" dirty="0"/>
+              <a:t>Approximation to quad</a:t>
+            </a:r>
+          </a:p>
+          <a:p>
+            <a:r>
+              <a:rPr lang="en-US" dirty="0"/>
+              <a:t>Conversion to standard format through </a:t>
+            </a:r>
+            <a:r>
+              <a:rPr lang="en-US" dirty="0" err="1"/>
+              <a:t>homography</a:t>
+            </a:r>
             <a:endParaRPr lang="en-GB" dirty="0"/>
           </a:p>
         </p:txBody>
@@ -4882,7 +6793,7 @@
     </p:spTree>
     <p:extLst>
       <p:ext uri="{BB962C8B-B14F-4D97-AF65-F5344CB8AC3E}">
-        <p14:creationId xmlns:p14="http://schemas.microsoft.com/office/powerpoint/2010/main" val="1433492265"/>
+        <p14:creationId xmlns:p14="http://schemas.microsoft.com/office/powerpoint/2010/main" val="1163847884"/>
       </p:ext>
     </p:extLst>
   </p:cSld>
@@ -4959,6 +6870,31 @@
           <a:bodyPr/>
           <a:lstStyle/>
           <a:p>
+            <a:r>
+              <a:rPr lang="en-US" dirty="0"/>
+              <a:t>ORB</a:t>
+            </a:r>
+          </a:p>
+          <a:p>
+            <a:pPr lvl="1"/>
+            <a:r>
+              <a:rPr lang="en-US" dirty="0"/>
+              <a:t>Efficient alternative to SIFT</a:t>
+            </a:r>
+          </a:p>
+          <a:p>
+            <a:pPr lvl="1"/>
+            <a:r>
+              <a:rPr lang="en-US" dirty="0"/>
+              <a:t>Feature points and descriptors</a:t>
+            </a:r>
+          </a:p>
+          <a:p>
+            <a:pPr lvl="1"/>
+            <a:endParaRPr lang="en-US" dirty="0"/>
+          </a:p>
+          <a:p>
+            <a:pPr lvl="1"/>
             <a:endParaRPr lang="en-GB" dirty="0"/>
           </a:p>
         </p:txBody>
@@ -4966,7 +6902,7 @@
     </p:spTree>
     <p:extLst>
       <p:ext uri="{BB962C8B-B14F-4D97-AF65-F5344CB8AC3E}">
-        <p14:creationId xmlns:p14="http://schemas.microsoft.com/office/powerpoint/2010/main" val="1163847884"/>
+        <p14:creationId xmlns:p14="http://schemas.microsoft.com/office/powerpoint/2010/main" val="3481226198"/>
       </p:ext>
     </p:extLst>
   </p:cSld>
@@ -5043,7 +6979,23 @@
           <a:bodyPr/>
           <a:lstStyle/>
           <a:p>
-            <a:endParaRPr lang="en-GB"/>
+            <a:r>
+              <a:rPr lang="en-US" dirty="0"/>
+              <a:t>Brute Force matcher</a:t>
+            </a:r>
+          </a:p>
+          <a:p>
+            <a:pPr lvl="1"/>
+            <a:r>
+              <a:rPr lang="en-US" dirty="0"/>
+              <a:t>Extracted vs database</a:t>
+            </a:r>
+          </a:p>
+          <a:p>
+            <a:endParaRPr lang="en-US" dirty="0"/>
+          </a:p>
+          <a:p>
+            <a:endParaRPr lang="en-GB" dirty="0"/>
           </a:p>
         </p:txBody>
       </p:sp>
@@ -5311,4 +7263,299 @@
     </a:ext>
   </a:extLst>
 </a:theme>
+</file>
+
+<file path=ppt/theme/theme2.xml><?xml version="1.0" encoding="utf-8"?>
+<a:theme xmlns:a="http://schemas.openxmlformats.org/drawingml/2006/main" name="Kantoorthema">
+  <a:themeElements>
+    <a:clrScheme name="Office">
+      <a:dk1>
+        <a:sysClr val="windowText" lastClr="000000"/>
+      </a:dk1>
+      <a:lt1>
+        <a:sysClr val="window" lastClr="FFFFFF"/>
+      </a:lt1>
+      <a:dk2>
+        <a:srgbClr val="44546A"/>
+      </a:dk2>
+      <a:lt2>
+        <a:srgbClr val="E7E6E6"/>
+      </a:lt2>
+      <a:accent1>
+        <a:srgbClr val="4472C4"/>
+      </a:accent1>
+      <a:accent2>
+        <a:srgbClr val="ED7D31"/>
+      </a:accent2>
+      <a:accent3>
+        <a:srgbClr val="A5A5A5"/>
+      </a:accent3>
+      <a:accent4>
+        <a:srgbClr val="FFC000"/>
+      </a:accent4>
+      <a:accent5>
+        <a:srgbClr val="5B9BD5"/>
+      </a:accent5>
+      <a:accent6>
+        <a:srgbClr val="70AD47"/>
+      </a:accent6>
+      <a:hlink>
+        <a:srgbClr val="0563C1"/>
+      </a:hlink>
+      <a:folHlink>
+        <a:srgbClr val="954F72"/>
+      </a:folHlink>
+    </a:clrScheme>
+    <a:fontScheme name="Office">
+      <a:majorFont>
+        <a:latin typeface="Calibri Light" panose="020F0302020204030204"/>
+        <a:ea typeface=""/>
+        <a:cs typeface=""/>
+        <a:font script="Jpan" typeface="游ゴシック Light"/>
+        <a:font script="Hang" typeface="맑은 고딕"/>
+        <a:font script="Hans" typeface="等线 Light"/>
+        <a:font script="Hant" typeface="新細明體"/>
+        <a:font script="Arab" typeface="Times New Roman"/>
+        <a:font script="Hebr" typeface="Times New Roman"/>
+        <a:font script="Thai" typeface="Angsana New"/>
+        <a:font script="Ethi" typeface="Nyala"/>
+        <a:font script="Beng" typeface="Vrinda"/>
+        <a:font script="Gujr" typeface="Shruti"/>
+        <a:font script="Khmr" typeface="MoolBoran"/>
+        <a:font script="Knda" typeface="Tunga"/>
+        <a:font script="Guru" typeface="Raavi"/>
+        <a:font script="Cans" typeface="Euphemia"/>
+        <a:font script="Cher" typeface="Plantagenet Cherokee"/>
+        <a:font script="Yiii" typeface="Microsoft Yi Baiti"/>
+        <a:font script="Tibt" typeface="Microsoft Himalaya"/>
+        <a:font script="Thaa" typeface="MV Boli"/>
+        <a:font script="Deva" typeface="Mangal"/>
+        <a:font script="Telu" typeface="Gautami"/>
+        <a:font script="Taml" typeface="Latha"/>
+        <a:font script="Syrc" typeface="Estrangelo Edessa"/>
+        <a:font script="Orya" typeface="Kalinga"/>
+        <a:font script="Mlym" typeface="Kartika"/>
+        <a:font script="Laoo" typeface="DokChampa"/>
+        <a:font script="Sinh" typeface="Iskoola Pota"/>
+        <a:font script="Mong" typeface="Mongolian Baiti"/>
+        <a:font script="Viet" typeface="Times New Roman"/>
+        <a:font script="Uigh" typeface="Microsoft Uighur"/>
+        <a:font script="Geor" typeface="Sylfaen"/>
+        <a:font script="Armn" typeface="Arial"/>
+        <a:font script="Bugi" typeface="Leelawadee UI"/>
+        <a:font script="Bopo" typeface="Microsoft JhengHei"/>
+        <a:font script="Java" typeface="Javanese Text"/>
+        <a:font script="Lisu" typeface="Segoe UI"/>
+        <a:font script="Mymr" typeface="Myanmar Text"/>
+        <a:font script="Nkoo" typeface="Ebrima"/>
+        <a:font script="Olck" typeface="Nirmala UI"/>
+        <a:font script="Osma" typeface="Ebrima"/>
+        <a:font script="Phag" typeface="Phagspa"/>
+        <a:font script="Syrn" typeface="Estrangelo Edessa"/>
+        <a:font script="Syrj" typeface="Estrangelo Edessa"/>
+        <a:font script="Syre" typeface="Estrangelo Edessa"/>
+        <a:font script="Sora" typeface="Nirmala UI"/>
+        <a:font script="Tale" typeface="Microsoft Tai Le"/>
+        <a:font script="Talu" typeface="Microsoft New Tai Lue"/>
+        <a:font script="Tfng" typeface="Ebrima"/>
+      </a:majorFont>
+      <a:minorFont>
+        <a:latin typeface="Calibri" panose="020F0502020204030204"/>
+        <a:ea typeface=""/>
+        <a:cs typeface=""/>
+        <a:font script="Jpan" typeface="游ゴシック"/>
+        <a:font script="Hang" typeface="맑은 고딕"/>
+        <a:font script="Hans" typeface="等线"/>
+        <a:font script="Hant" typeface="新細明體"/>
+        <a:font script="Arab" typeface="Arial"/>
+        <a:font script="Hebr" typeface="Arial"/>
+        <a:font script="Thai" typeface="Cordia New"/>
+        <a:font script="Ethi" typeface="Nyala"/>
+        <a:font script="Beng" typeface="Vrinda"/>
+        <a:font script="Gujr" typeface="Shruti"/>
+        <a:font script="Khmr" typeface="DaunPenh"/>
+        <a:font script="Knda" typeface="Tunga"/>
+        <a:font script="Guru" typeface="Raavi"/>
+        <a:font script="Cans" typeface="Euphemia"/>
+        <a:font script="Cher" typeface="Plantagenet Cherokee"/>
+        <a:font script="Yiii" typeface="Microsoft Yi Baiti"/>
+        <a:font script="Tibt" typeface="Microsoft Himalaya"/>
+        <a:font script="Thaa" typeface="MV Boli"/>
+        <a:font script="Deva" typeface="Mangal"/>
+        <a:font script="Telu" typeface="Gautami"/>
+        <a:font script="Taml" typeface="Latha"/>
+        <a:font script="Syrc" typeface="Estrangelo Edessa"/>
+        <a:font script="Orya" typeface="Kalinga"/>
+        <a:font script="Mlym" typeface="Kartika"/>
+        <a:font script="Laoo" typeface="DokChampa"/>
+        <a:font script="Sinh" typeface="Iskoola Pota"/>
+        <a:font script="Mong" typeface="Mongolian Baiti"/>
+        <a:font script="Viet" typeface="Arial"/>
+        <a:font script="Uigh" typeface="Microsoft Uighur"/>
+        <a:font script="Geor" typeface="Sylfaen"/>
+        <a:font script="Armn" typeface="Arial"/>
+        <a:font script="Bugi" typeface="Leelawadee UI"/>
+        <a:font script="Bopo" typeface="Microsoft JhengHei"/>
+        <a:font script="Java" typeface="Javanese Text"/>
+        <a:font script="Lisu" typeface="Segoe UI"/>
+        <a:font script="Mymr" typeface="Myanmar Text"/>
+        <a:font script="Nkoo" typeface="Ebrima"/>
+        <a:font script="Olck" typeface="Nirmala UI"/>
+        <a:font script="Osma" typeface="Ebrima"/>
+        <a:font script="Phag" typeface="Phagspa"/>
+        <a:font script="Syrn" typeface="Estrangelo Edessa"/>
+        <a:font script="Syrj" typeface="Estrangelo Edessa"/>
+        <a:font script="Syre" typeface="Estrangelo Edessa"/>
+        <a:font script="Sora" typeface="Nirmala UI"/>
+        <a:font script="Tale" typeface="Microsoft Tai Le"/>
+        <a:font script="Talu" typeface="Microsoft New Tai Lue"/>
+        <a:font script="Tfng" typeface="Ebrima"/>
+      </a:minorFont>
+    </a:fontScheme>
+    <a:fmtScheme name="Office">
+      <a:fillStyleLst>
+        <a:solidFill>
+          <a:schemeClr val="phClr"/>
+        </a:solidFill>
+        <a:gradFill rotWithShape="1">
+          <a:gsLst>
+            <a:gs pos="0">
+              <a:schemeClr val="phClr">
+                <a:lumMod val="110000"/>
+                <a:satMod val="105000"/>
+                <a:tint val="67000"/>
+              </a:schemeClr>
+            </a:gs>
+            <a:gs pos="50000">
+              <a:schemeClr val="phClr">
+                <a:lumMod val="105000"/>
+                <a:satMod val="103000"/>
+                <a:tint val="73000"/>
+              </a:schemeClr>
+            </a:gs>
+            <a:gs pos="100000">
+              <a:schemeClr val="phClr">
+                <a:lumMod val="105000"/>
+                <a:satMod val="109000"/>
+                <a:tint val="81000"/>
+              </a:schemeClr>
+            </a:gs>
+          </a:gsLst>
+          <a:lin ang="5400000" scaled="0"/>
+        </a:gradFill>
+        <a:gradFill rotWithShape="1">
+          <a:gsLst>
+            <a:gs pos="0">
+              <a:schemeClr val="phClr">
+                <a:satMod val="103000"/>
+                <a:lumMod val="102000"/>
+                <a:tint val="94000"/>
+              </a:schemeClr>
+            </a:gs>
+            <a:gs pos="50000">
+              <a:schemeClr val="phClr">
+                <a:satMod val="110000"/>
+                <a:lumMod val="100000"/>
+                <a:shade val="100000"/>
+              </a:schemeClr>
+            </a:gs>
+            <a:gs pos="100000">
+              <a:schemeClr val="phClr">
+                <a:lumMod val="99000"/>
+                <a:satMod val="120000"/>
+                <a:shade val="78000"/>
+              </a:schemeClr>
+            </a:gs>
+          </a:gsLst>
+          <a:lin ang="5400000" scaled="0"/>
+        </a:gradFill>
+      </a:fillStyleLst>
+      <a:lnStyleLst>
+        <a:ln w="6350" cap="flat" cmpd="sng" algn="ctr">
+          <a:solidFill>
+            <a:schemeClr val="phClr"/>
+          </a:solidFill>
+          <a:prstDash val="solid"/>
+          <a:miter lim="800000"/>
+        </a:ln>
+        <a:ln w="12700" cap="flat" cmpd="sng" algn="ctr">
+          <a:solidFill>
+            <a:schemeClr val="phClr"/>
+          </a:solidFill>
+          <a:prstDash val="solid"/>
+          <a:miter lim="800000"/>
+        </a:ln>
+        <a:ln w="19050" cap="flat" cmpd="sng" algn="ctr">
+          <a:solidFill>
+            <a:schemeClr val="phClr"/>
+          </a:solidFill>
+          <a:prstDash val="solid"/>
+          <a:miter lim="800000"/>
+        </a:ln>
+      </a:lnStyleLst>
+      <a:effectStyleLst>
+        <a:effectStyle>
+          <a:effectLst/>
+        </a:effectStyle>
+        <a:effectStyle>
+          <a:effectLst/>
+        </a:effectStyle>
+        <a:effectStyle>
+          <a:effectLst>
+            <a:outerShdw blurRad="57150" dist="19050" dir="5400000" algn="ctr" rotWithShape="0">
+              <a:srgbClr val="000000">
+                <a:alpha val="63000"/>
+              </a:srgbClr>
+            </a:outerShdw>
+          </a:effectLst>
+        </a:effectStyle>
+      </a:effectStyleLst>
+      <a:bgFillStyleLst>
+        <a:solidFill>
+          <a:schemeClr val="phClr"/>
+        </a:solidFill>
+        <a:solidFill>
+          <a:schemeClr val="phClr">
+            <a:tint val="95000"/>
+            <a:satMod val="170000"/>
+          </a:schemeClr>
+        </a:solidFill>
+        <a:gradFill rotWithShape="1">
+          <a:gsLst>
+            <a:gs pos="0">
+              <a:schemeClr val="phClr">
+                <a:tint val="93000"/>
+                <a:satMod val="150000"/>
+                <a:shade val="98000"/>
+                <a:lumMod val="102000"/>
+              </a:schemeClr>
+            </a:gs>
+            <a:gs pos="50000">
+              <a:schemeClr val="phClr">
+                <a:tint val="98000"/>
+                <a:satMod val="130000"/>
+                <a:shade val="90000"/>
+                <a:lumMod val="103000"/>
+              </a:schemeClr>
+            </a:gs>
+            <a:gs pos="100000">
+              <a:schemeClr val="phClr">
+                <a:shade val="63000"/>
+                <a:satMod val="120000"/>
+              </a:schemeClr>
+            </a:gs>
+          </a:gsLst>
+          <a:lin ang="5400000" scaled="0"/>
+        </a:gradFill>
+      </a:bgFillStyleLst>
+    </a:fmtScheme>
+  </a:themeElements>
+  <a:objectDefaults/>
+  <a:extraClrSchemeLst/>
+  <a:extLst>
+    <a:ext uri="{05A4C25C-085E-4340-85A3-A5531E510DB2}">
+      <thm15:themeFamily xmlns:thm15="http://schemas.microsoft.com/office/thememl/2012/main" name="Office Theme" id="{62F939B6-93AF-4DB8-9C6B-D6C7DFDC589F}" vid="{4A3C46E8-61CC-4603-A589-7422A47A8E4A}"/>
+    </a:ext>
+  </a:extLst>
+</a:theme>
 </file>